--- a/presentation/STAT628_module2.pptx
+++ b/presentation/STAT628_module2.pptx
@@ -937,7 +937,7 @@
   <p:cSld>
     <p:spTree>
       <p:nvGrpSpPr>
-        <p:cNvPr id="148" name="Shape 148"/>
+        <p:cNvPr id="147" name="Shape 147"/>
         <p:cNvGrpSpPr/>
         <p:nvPr/>
       </p:nvGrpSpPr>
@@ -951,7 +951,7 @@
       </p:grpSpPr>
       <p:sp>
         <p:nvSpPr>
-          <p:cNvPr id="149" name="Google Shape;149;g64a7370a1e_0_7:notes"/>
+          <p:cNvPr id="148" name="Google Shape;148;g64a7370a1e_0_7:notes"/>
           <p:cNvSpPr/>
           <p:nvPr>
             <p:ph idx="2" type="sldImg"/>
@@ -986,7 +986,7 @@
       </p:sp>
       <p:sp>
         <p:nvSpPr>
-          <p:cNvPr id="150" name="Google Shape;150;g64a7370a1e_0_7:notes"/>
+          <p:cNvPr id="149" name="Google Shape;149;g64a7370a1e_0_7:notes"/>
           <p:cNvSpPr txBox="1"/>
           <p:nvPr>
             <p:ph idx="1" type="body"/>
@@ -1036,7 +1036,7 @@
   <p:cSld>
     <p:spTree>
       <p:nvGrpSpPr>
-        <p:cNvPr id="157" name="Shape 157"/>
+        <p:cNvPr id="156" name="Shape 156"/>
         <p:cNvGrpSpPr/>
         <p:nvPr/>
       </p:nvGrpSpPr>
@@ -1050,7 +1050,7 @@
       </p:grpSpPr>
       <p:sp>
         <p:nvSpPr>
-          <p:cNvPr id="158" name="Google Shape;158;g64a7370a1e_5_32:notes"/>
+          <p:cNvPr id="157" name="Google Shape;157;g64a7370a1e_5_32:notes"/>
           <p:cNvSpPr/>
           <p:nvPr>
             <p:ph idx="2" type="sldImg"/>
@@ -1085,7 +1085,7 @@
       </p:sp>
       <p:sp>
         <p:nvSpPr>
-          <p:cNvPr id="159" name="Google Shape;159;g64a7370a1e_5_32:notes"/>
+          <p:cNvPr id="158" name="Google Shape;158;g64a7370a1e_5_32:notes"/>
           <p:cNvSpPr txBox="1"/>
           <p:nvPr>
             <p:ph idx="1" type="body"/>
@@ -1135,7 +1135,7 @@
   <p:cSld>
     <p:spTree>
       <p:nvGrpSpPr>
-        <p:cNvPr id="162" name="Shape 162"/>
+        <p:cNvPr id="161" name="Shape 161"/>
         <p:cNvGrpSpPr/>
         <p:nvPr/>
       </p:nvGrpSpPr>
@@ -1149,7 +1149,7 @@
       </p:grpSpPr>
       <p:sp>
         <p:nvSpPr>
-          <p:cNvPr id="163" name="Google Shape;163;g64a7370a1e_3_3:notes"/>
+          <p:cNvPr id="162" name="Google Shape;162;g64a7370a1e_3_3:notes"/>
           <p:cNvSpPr/>
           <p:nvPr>
             <p:ph idx="2" type="sldImg"/>
@@ -1184,7 +1184,7 @@
       </p:sp>
       <p:sp>
         <p:nvSpPr>
-          <p:cNvPr id="164" name="Google Shape;164;g64a7370a1e_3_3:notes"/>
+          <p:cNvPr id="163" name="Google Shape;163;g64a7370a1e_3_3:notes"/>
           <p:cNvSpPr txBox="1"/>
           <p:nvPr>
             <p:ph idx="1" type="body"/>
@@ -1234,7 +1234,7 @@
   <p:cSld>
     <p:spTree>
       <p:nvGrpSpPr>
-        <p:cNvPr id="171" name="Shape 171"/>
+        <p:cNvPr id="170" name="Shape 170"/>
         <p:cNvGrpSpPr/>
         <p:nvPr/>
       </p:nvGrpSpPr>
@@ -1248,7 +1248,7 @@
       </p:grpSpPr>
       <p:sp>
         <p:nvSpPr>
-          <p:cNvPr id="172" name="Google Shape;172;g64a7370a1e_5_36:notes"/>
+          <p:cNvPr id="171" name="Google Shape;171;g64a7370a1e_5_36:notes"/>
           <p:cNvSpPr/>
           <p:nvPr>
             <p:ph idx="2" type="sldImg"/>
@@ -1283,7 +1283,7 @@
       </p:sp>
       <p:sp>
         <p:nvSpPr>
-          <p:cNvPr id="173" name="Google Shape;173;g64a7370a1e_5_36:notes"/>
+          <p:cNvPr id="172" name="Google Shape;172;g64a7370a1e_5_36:notes"/>
           <p:cNvSpPr txBox="1"/>
           <p:nvPr>
             <p:ph idx="1" type="body"/>
@@ -1333,7 +1333,7 @@
   <p:cSld>
     <p:spTree>
       <p:nvGrpSpPr>
-        <p:cNvPr id="176" name="Shape 176"/>
+        <p:cNvPr id="175" name="Shape 175"/>
         <p:cNvGrpSpPr/>
         <p:nvPr/>
       </p:nvGrpSpPr>
@@ -1347,7 +1347,7 @@
       </p:grpSpPr>
       <p:sp>
         <p:nvSpPr>
-          <p:cNvPr id="177" name="Google Shape;177;g64a7370a1e_3_18:notes"/>
+          <p:cNvPr id="176" name="Google Shape;176;g64a7370a1e_3_18:notes"/>
           <p:cNvSpPr/>
           <p:nvPr>
             <p:ph idx="2" type="sldImg"/>
@@ -1382,7 +1382,7 @@
       </p:sp>
       <p:sp>
         <p:nvSpPr>
-          <p:cNvPr id="178" name="Google Shape;178;g64a7370a1e_3_18:notes"/>
+          <p:cNvPr id="177" name="Google Shape;177;g64a7370a1e_3_18:notes"/>
           <p:cNvSpPr txBox="1"/>
           <p:nvPr>
             <p:ph idx="1" type="body"/>
@@ -1432,7 +1432,7 @@
   <p:cSld>
     <p:spTree>
       <p:nvGrpSpPr>
-        <p:cNvPr id="184" name="Shape 184"/>
+        <p:cNvPr id="183" name="Shape 183"/>
         <p:cNvGrpSpPr/>
         <p:nvPr/>
       </p:nvGrpSpPr>
@@ -1446,7 +1446,7 @@
       </p:grpSpPr>
       <p:sp>
         <p:nvSpPr>
-          <p:cNvPr id="185" name="Google Shape;185;g64a7370a1e_5_27:notes"/>
+          <p:cNvPr id="184" name="Google Shape;184;g64a7370a1e_5_27:notes"/>
           <p:cNvSpPr/>
           <p:nvPr>
             <p:ph idx="2" type="sldImg"/>
@@ -1481,7 +1481,7 @@
       </p:sp>
       <p:sp>
         <p:nvSpPr>
-          <p:cNvPr id="186" name="Google Shape;186;g64a7370a1e_5_27:notes"/>
+          <p:cNvPr id="185" name="Google Shape;185;g64a7370a1e_5_27:notes"/>
           <p:cNvSpPr txBox="1"/>
           <p:nvPr>
             <p:ph idx="1" type="body"/>
@@ -1531,7 +1531,7 @@
   <p:cSld>
     <p:spTree>
       <p:nvGrpSpPr>
-        <p:cNvPr id="189" name="Shape 189"/>
+        <p:cNvPr id="188" name="Shape 188"/>
         <p:cNvGrpSpPr/>
         <p:nvPr/>
       </p:nvGrpSpPr>
@@ -1545,7 +1545,7 @@
       </p:grpSpPr>
       <p:sp>
         <p:nvSpPr>
-          <p:cNvPr id="190" name="Google Shape;190;g64a7370a1e_3_28:notes"/>
+          <p:cNvPr id="189" name="Google Shape;189;g64a7370a1e_3_28:notes"/>
           <p:cNvSpPr/>
           <p:nvPr>
             <p:ph idx="2" type="sldImg"/>
@@ -1580,7 +1580,7 @@
       </p:sp>
       <p:sp>
         <p:nvSpPr>
-          <p:cNvPr id="191" name="Google Shape;191;g64a7370a1e_3_28:notes"/>
+          <p:cNvPr id="190" name="Google Shape;190;g64a7370a1e_3_28:notes"/>
           <p:cNvSpPr txBox="1"/>
           <p:nvPr>
             <p:ph idx="1" type="body"/>
@@ -1630,7 +1630,7 @@
   <p:cSld>
     <p:spTree>
       <p:nvGrpSpPr>
-        <p:cNvPr id="197" name="Shape 197"/>
+        <p:cNvPr id="196" name="Shape 196"/>
         <p:cNvGrpSpPr/>
         <p:nvPr/>
       </p:nvGrpSpPr>
@@ -1644,7 +1644,7 @@
       </p:grpSpPr>
       <p:sp>
         <p:nvSpPr>
-          <p:cNvPr id="198" name="Google Shape;198;g64a7370a1e_3_69:notes"/>
+          <p:cNvPr id="197" name="Google Shape;197;g64a7370a1e_3_69:notes"/>
           <p:cNvSpPr/>
           <p:nvPr>
             <p:ph idx="2" type="sldImg"/>
@@ -1679,7 +1679,7 @@
       </p:sp>
       <p:sp>
         <p:nvSpPr>
-          <p:cNvPr id="199" name="Google Shape;199;g64a7370a1e_3_69:notes"/>
+          <p:cNvPr id="198" name="Google Shape;198;g64a7370a1e_3_69:notes"/>
           <p:cNvSpPr txBox="1"/>
           <p:nvPr>
             <p:ph idx="1" type="body"/>
@@ -1729,7 +1729,7 @@
   <p:cSld>
     <p:spTree>
       <p:nvGrpSpPr>
-        <p:cNvPr id="202" name="Shape 202"/>
+        <p:cNvPr id="201" name="Shape 201"/>
         <p:cNvGrpSpPr/>
         <p:nvPr/>
       </p:nvGrpSpPr>
@@ -1743,7 +1743,7 @@
       </p:grpSpPr>
       <p:sp>
         <p:nvSpPr>
-          <p:cNvPr id="203" name="Google Shape;203;g64a7370a1e_3_39:notes"/>
+          <p:cNvPr id="202" name="Google Shape;202;g64a7370a1e_3_39:notes"/>
           <p:cNvSpPr/>
           <p:nvPr>
             <p:ph idx="2" type="sldImg"/>
@@ -1778,7 +1778,7 @@
       </p:sp>
       <p:sp>
         <p:nvSpPr>
-          <p:cNvPr id="204" name="Google Shape;204;g64a7370a1e_3_39:notes"/>
+          <p:cNvPr id="203" name="Google Shape;203;g64a7370a1e_3_39:notes"/>
           <p:cNvSpPr txBox="1"/>
           <p:nvPr>
             <p:ph idx="1" type="body"/>
@@ -1927,7 +1927,7 @@
   <p:cSld>
     <p:spTree>
       <p:nvGrpSpPr>
-        <p:cNvPr id="210" name="Shape 210"/>
+        <p:cNvPr id="209" name="Shape 209"/>
         <p:cNvGrpSpPr/>
         <p:nvPr/>
       </p:nvGrpSpPr>
@@ -1941,7 +1941,7 @@
       </p:grpSpPr>
       <p:sp>
         <p:nvSpPr>
-          <p:cNvPr id="211" name="Google Shape;211;g64a7370a1e_6_15:notes"/>
+          <p:cNvPr id="210" name="Google Shape;210;g64a7370a1e_6_15:notes"/>
           <p:cNvSpPr/>
           <p:nvPr>
             <p:ph idx="2" type="sldImg"/>
@@ -1976,7 +1976,7 @@
       </p:sp>
       <p:sp>
         <p:nvSpPr>
-          <p:cNvPr id="212" name="Google Shape;212;g64a7370a1e_6_15:notes"/>
+          <p:cNvPr id="211" name="Google Shape;211;g64a7370a1e_6_15:notes"/>
           <p:cNvSpPr txBox="1"/>
           <p:nvPr>
             <p:ph idx="1" type="body"/>
@@ -2026,7 +2026,7 @@
   <p:cSld>
     <p:spTree>
       <p:nvGrpSpPr>
-        <p:cNvPr id="217" name="Shape 217"/>
+        <p:cNvPr id="216" name="Shape 216"/>
         <p:cNvGrpSpPr/>
         <p:nvPr/>
       </p:nvGrpSpPr>
@@ -2040,7 +2040,7 @@
       </p:grpSpPr>
       <p:sp>
         <p:nvSpPr>
-          <p:cNvPr id="218" name="Google Shape;218;g64a7370a1e_6_22:notes"/>
+          <p:cNvPr id="217" name="Google Shape;217;g64a7370a1e_6_22:notes"/>
           <p:cNvSpPr/>
           <p:nvPr>
             <p:ph idx="2" type="sldImg"/>
@@ -2075,7 +2075,7 @@
       </p:sp>
       <p:sp>
         <p:nvSpPr>
-          <p:cNvPr id="219" name="Google Shape;219;g64a7370a1e_6_22:notes"/>
+          <p:cNvPr id="218" name="Google Shape;218;g64a7370a1e_6_22:notes"/>
           <p:cNvSpPr txBox="1"/>
           <p:nvPr>
             <p:ph idx="1" type="body"/>
@@ -2125,7 +2125,7 @@
   <p:cSld>
     <p:spTree>
       <p:nvGrpSpPr>
-        <p:cNvPr id="224" name="Shape 224"/>
+        <p:cNvPr id="223" name="Shape 223"/>
         <p:cNvGrpSpPr/>
         <p:nvPr/>
       </p:nvGrpSpPr>
@@ -2139,7 +2139,7 @@
       </p:grpSpPr>
       <p:sp>
         <p:nvSpPr>
-          <p:cNvPr id="225" name="Google Shape;225;g64a7370a1e_5_40:notes"/>
+          <p:cNvPr id="224" name="Google Shape;224;g64a7370a1e_5_40:notes"/>
           <p:cNvSpPr/>
           <p:nvPr>
             <p:ph idx="2" type="sldImg"/>
@@ -2174,7 +2174,7 @@
       </p:sp>
       <p:sp>
         <p:nvSpPr>
-          <p:cNvPr id="226" name="Google Shape;226;g64a7370a1e_5_40:notes"/>
+          <p:cNvPr id="225" name="Google Shape;225;g64a7370a1e_5_40:notes"/>
           <p:cNvSpPr txBox="1"/>
           <p:nvPr>
             <p:ph idx="1" type="body"/>
@@ -2224,7 +2224,7 @@
   <p:cSld>
     <p:spTree>
       <p:nvGrpSpPr>
-        <p:cNvPr id="232" name="Shape 232"/>
+        <p:cNvPr id="231" name="Shape 231"/>
         <p:cNvGrpSpPr/>
         <p:nvPr/>
       </p:nvGrpSpPr>
@@ -2238,7 +2238,7 @@
       </p:grpSpPr>
       <p:sp>
         <p:nvSpPr>
-          <p:cNvPr id="233" name="Google Shape;233;g64a7370a1e_3_73:notes"/>
+          <p:cNvPr id="232" name="Google Shape;232;g64a7370a1e_3_73:notes"/>
           <p:cNvSpPr/>
           <p:nvPr>
             <p:ph idx="2" type="sldImg"/>
@@ -2273,7 +2273,7 @@
       </p:sp>
       <p:sp>
         <p:nvSpPr>
-          <p:cNvPr id="234" name="Google Shape;234;g64a7370a1e_3_73:notes"/>
+          <p:cNvPr id="233" name="Google Shape;233;g64a7370a1e_3_73:notes"/>
           <p:cNvSpPr txBox="1"/>
           <p:nvPr>
             <p:ph idx="1" type="body"/>
@@ -2323,7 +2323,7 @@
   <p:cSld>
     <p:spTree>
       <p:nvGrpSpPr>
-        <p:cNvPr id="241" name="Shape 241"/>
+        <p:cNvPr id="240" name="Shape 240"/>
         <p:cNvGrpSpPr/>
         <p:nvPr/>
       </p:nvGrpSpPr>
@@ -2337,7 +2337,7 @@
       </p:grpSpPr>
       <p:sp>
         <p:nvSpPr>
-          <p:cNvPr id="242" name="Google Shape;242;g64a7370a1e_3_103:notes"/>
+          <p:cNvPr id="241" name="Google Shape;241;g64a7370a1e_3_103:notes"/>
           <p:cNvSpPr/>
           <p:nvPr>
             <p:ph idx="2" type="sldImg"/>
@@ -2372,7 +2372,7 @@
       </p:sp>
       <p:sp>
         <p:nvSpPr>
-          <p:cNvPr id="243" name="Google Shape;243;g64a7370a1e_3_103:notes"/>
+          <p:cNvPr id="242" name="Google Shape;242;g64a7370a1e_3_103:notes"/>
           <p:cNvSpPr txBox="1"/>
           <p:nvPr>
             <p:ph idx="1" type="body"/>
@@ -2422,7 +2422,7 @@
   <p:cSld>
     <p:spTree>
       <p:nvGrpSpPr>
-        <p:cNvPr id="246" name="Shape 246"/>
+        <p:cNvPr id="245" name="Shape 245"/>
         <p:cNvGrpSpPr/>
         <p:nvPr/>
       </p:nvGrpSpPr>
@@ -2436,7 +2436,7 @@
       </p:grpSpPr>
       <p:sp>
         <p:nvSpPr>
-          <p:cNvPr id="247" name="Google Shape;247;g64a7370a1e_3_77:notes"/>
+          <p:cNvPr id="246" name="Google Shape;246;g64a7370a1e_3_77:notes"/>
           <p:cNvSpPr/>
           <p:nvPr>
             <p:ph idx="2" type="sldImg"/>
@@ -2471,7 +2471,7 @@
       </p:sp>
       <p:sp>
         <p:nvSpPr>
-          <p:cNvPr id="248" name="Google Shape;248;g64a7370a1e_3_77:notes"/>
+          <p:cNvPr id="247" name="Google Shape;247;g64a7370a1e_3_77:notes"/>
           <p:cNvSpPr txBox="1"/>
           <p:nvPr>
             <p:ph idx="1" type="body"/>
@@ -2521,7 +2521,7 @@
   <p:cSld>
     <p:spTree>
       <p:nvGrpSpPr>
-        <p:cNvPr id="255" name="Shape 255"/>
+        <p:cNvPr id="254" name="Shape 254"/>
         <p:cNvGrpSpPr/>
         <p:nvPr/>
       </p:nvGrpSpPr>
@@ -2535,7 +2535,7 @@
       </p:grpSpPr>
       <p:sp>
         <p:nvSpPr>
-          <p:cNvPr id="256" name="Google Shape;256;g64a7370a1e_3_92:notes"/>
+          <p:cNvPr id="255" name="Google Shape;255;g64a7370a1e_3_92:notes"/>
           <p:cNvSpPr/>
           <p:nvPr>
             <p:ph idx="2" type="sldImg"/>
@@ -2570,7 +2570,7 @@
       </p:sp>
       <p:sp>
         <p:nvSpPr>
-          <p:cNvPr id="257" name="Google Shape;257;g64a7370a1e_3_92:notes"/>
+          <p:cNvPr id="256" name="Google Shape;256;g64a7370a1e_3_92:notes"/>
           <p:cNvSpPr txBox="1"/>
           <p:nvPr>
             <p:ph idx="1" type="body"/>
@@ -2620,7 +2620,7 @@
   <p:cSld>
     <p:spTree>
       <p:nvGrpSpPr>
-        <p:cNvPr id="260" name="Shape 260"/>
+        <p:cNvPr id="259" name="Shape 259"/>
         <p:cNvGrpSpPr/>
         <p:nvPr/>
       </p:nvGrpSpPr>
@@ -2634,7 +2634,7 @@
       </p:grpSpPr>
       <p:sp>
         <p:nvSpPr>
-          <p:cNvPr id="261" name="Google Shape;261;g64a7370a1e_5_4:notes"/>
+          <p:cNvPr id="260" name="Google Shape;260;g64a7370a1e_5_4:notes"/>
           <p:cNvSpPr/>
           <p:nvPr>
             <p:ph idx="2" type="sldImg"/>
@@ -2669,7 +2669,7 @@
       </p:sp>
       <p:sp>
         <p:nvSpPr>
-          <p:cNvPr id="262" name="Google Shape;262;g64a7370a1e_5_4:notes"/>
+          <p:cNvPr id="261" name="Google Shape;261;g64a7370a1e_5_4:notes"/>
           <p:cNvSpPr txBox="1"/>
           <p:nvPr>
             <p:ph idx="1" type="body"/>
@@ -2719,7 +2719,7 @@
   <p:cSld>
     <p:spTree>
       <p:nvGrpSpPr>
-        <p:cNvPr id="265" name="Shape 265"/>
+        <p:cNvPr id="264" name="Shape 264"/>
         <p:cNvGrpSpPr/>
         <p:nvPr/>
       </p:nvGrpSpPr>
@@ -2733,7 +2733,7 @@
       </p:grpSpPr>
       <p:sp>
         <p:nvSpPr>
-          <p:cNvPr id="266" name="Google Shape;266;g64a7370a1e_5_9:notes"/>
+          <p:cNvPr id="265" name="Google Shape;265;g64a7370a1e_5_9:notes"/>
           <p:cNvSpPr/>
           <p:nvPr>
             <p:ph idx="2" type="sldImg"/>
@@ -2768,7 +2768,7 @@
       </p:sp>
       <p:sp>
         <p:nvSpPr>
-          <p:cNvPr id="267" name="Google Shape;267;g64a7370a1e_5_9:notes"/>
+          <p:cNvPr id="266" name="Google Shape;266;g64a7370a1e_5_9:notes"/>
           <p:cNvSpPr txBox="1"/>
           <p:nvPr>
             <p:ph idx="1" type="body"/>
@@ -2818,7 +2818,7 @@
   <p:cSld>
     <p:spTree>
       <p:nvGrpSpPr>
-        <p:cNvPr id="271" name="Shape 271"/>
+        <p:cNvPr id="270" name="Shape 270"/>
         <p:cNvGrpSpPr/>
         <p:nvPr/>
       </p:nvGrpSpPr>
@@ -2832,7 +2832,7 @@
       </p:grpSpPr>
       <p:sp>
         <p:nvSpPr>
-          <p:cNvPr id="272" name="Google Shape;272;g64a7370a1e_6_39:notes"/>
+          <p:cNvPr id="271" name="Google Shape;271;g64a7370a1e_6_39:notes"/>
           <p:cNvSpPr/>
           <p:nvPr>
             <p:ph idx="2" type="sldImg"/>
@@ -2867,7 +2867,7 @@
       </p:sp>
       <p:sp>
         <p:nvSpPr>
-          <p:cNvPr id="273" name="Google Shape;273;g64a7370a1e_6_39:notes"/>
+          <p:cNvPr id="272" name="Google Shape;272;g64a7370a1e_6_39:notes"/>
           <p:cNvSpPr txBox="1"/>
           <p:nvPr>
             <p:ph idx="1" type="body"/>
@@ -3016,7 +3016,7 @@
   <p:cSld>
     <p:spTree>
       <p:nvGrpSpPr>
-        <p:cNvPr id="276" name="Shape 276"/>
+        <p:cNvPr id="275" name="Shape 275"/>
         <p:cNvGrpSpPr/>
         <p:nvPr/>
       </p:nvGrpSpPr>
@@ -3030,7 +3030,7 @@
       </p:grpSpPr>
       <p:sp>
         <p:nvSpPr>
-          <p:cNvPr id="277" name="Google Shape;277;g64a7370a1e_6_31:notes"/>
+          <p:cNvPr id="276" name="Google Shape;276;g64a7370a1e_6_31:notes"/>
           <p:cNvSpPr/>
           <p:nvPr>
             <p:ph idx="2" type="sldImg"/>
@@ -3065,7 +3065,7 @@
       </p:sp>
       <p:sp>
         <p:nvSpPr>
-          <p:cNvPr id="278" name="Google Shape;278;g64a7370a1e_6_31:notes"/>
+          <p:cNvPr id="277" name="Google Shape;277;g64a7370a1e_6_31:notes"/>
           <p:cNvSpPr txBox="1"/>
           <p:nvPr>
             <p:ph idx="1" type="body"/>
@@ -3115,7 +3115,7 @@
   <p:cSld>
     <p:spTree>
       <p:nvGrpSpPr>
-        <p:cNvPr id="281" name="Shape 281"/>
+        <p:cNvPr id="280" name="Shape 280"/>
         <p:cNvGrpSpPr/>
         <p:nvPr/>
       </p:nvGrpSpPr>
@@ -3129,7 +3129,7 @@
       </p:grpSpPr>
       <p:sp>
         <p:nvSpPr>
-          <p:cNvPr id="282" name="Google Shape;282;g64a7370a1e_6_35:notes"/>
+          <p:cNvPr id="281" name="Google Shape;281;g64a7370a1e_6_35:notes"/>
           <p:cNvSpPr/>
           <p:nvPr>
             <p:ph idx="2" type="sldImg"/>
@@ -3164,7 +3164,7 @@
       </p:sp>
       <p:sp>
         <p:nvSpPr>
-          <p:cNvPr id="283" name="Google Shape;283;g64a7370a1e_6_35:notes"/>
+          <p:cNvPr id="282" name="Google Shape;282;g64a7370a1e_6_35:notes"/>
           <p:cNvSpPr txBox="1"/>
           <p:nvPr>
             <p:ph idx="1" type="body"/>
@@ -3214,7 +3214,7 @@
   <p:cSld>
     <p:spTree>
       <p:nvGrpSpPr>
-        <p:cNvPr id="286" name="Shape 286"/>
+        <p:cNvPr id="285" name="Shape 285"/>
         <p:cNvGrpSpPr/>
         <p:nvPr/>
       </p:nvGrpSpPr>
@@ -3228,7 +3228,7 @@
       </p:grpSpPr>
       <p:sp>
         <p:nvSpPr>
-          <p:cNvPr id="287" name="Google Shape;287;g64a7370a1e_9_0:notes"/>
+          <p:cNvPr id="286" name="Google Shape;286;g64a7370a1e_9_0:notes"/>
           <p:cNvSpPr/>
           <p:nvPr>
             <p:ph idx="2" type="sldImg"/>
@@ -3263,7 +3263,7 @@
       </p:sp>
       <p:sp>
         <p:nvSpPr>
-          <p:cNvPr id="288" name="Google Shape;288;g64a7370a1e_9_0:notes"/>
+          <p:cNvPr id="287" name="Google Shape;287;g64a7370a1e_9_0:notes"/>
           <p:cNvSpPr txBox="1"/>
           <p:nvPr>
             <p:ph idx="1" type="body"/>
@@ -3313,7 +3313,7 @@
   <p:cSld>
     <p:spTree>
       <p:nvGrpSpPr>
-        <p:cNvPr id="292" name="Shape 292"/>
+        <p:cNvPr id="291" name="Shape 291"/>
         <p:cNvGrpSpPr/>
         <p:nvPr/>
       </p:nvGrpSpPr>
@@ -3327,7 +3327,7 @@
       </p:grpSpPr>
       <p:sp>
         <p:nvSpPr>
-          <p:cNvPr id="293" name="Google Shape;293;g64a7370a1e_5_14:notes"/>
+          <p:cNvPr id="292" name="Google Shape;292;g64a7370a1e_5_14:notes"/>
           <p:cNvSpPr/>
           <p:nvPr>
             <p:ph idx="2" type="sldImg"/>
@@ -3362,7 +3362,7 @@
       </p:sp>
       <p:sp>
         <p:nvSpPr>
-          <p:cNvPr id="294" name="Google Shape;294;g64a7370a1e_5_14:notes"/>
+          <p:cNvPr id="293" name="Google Shape;293;g64a7370a1e_5_14:notes"/>
           <p:cNvSpPr txBox="1"/>
           <p:nvPr>
             <p:ph idx="1" type="body"/>
@@ -10964,208 +10964,6 @@
           </a:p>
         </p:txBody>
       </p:sp>
-      <p:sp>
-        <p:nvSpPr>
-          <p:cNvPr id="147" name="Google Shape;147;p22"/>
-          <p:cNvSpPr txBox="1"/>
-          <p:nvPr>
-            <p:ph idx="1" type="subTitle"/>
-          </p:nvPr>
-        </p:nvSpPr>
-        <p:spPr>
-          <a:xfrm>
-            <a:off x="727950" y="2395025"/>
-            <a:ext cx="7688100" cy="1446600"/>
-          </a:xfrm>
-          <a:prstGeom prst="rect">
-            <a:avLst/>
-          </a:prstGeom>
-        </p:spPr>
-        <p:txBody>
-          <a:bodyPr anchorCtr="0" anchor="t" bIns="91425" lIns="91425" spcFirstLastPara="1" rIns="91425" wrap="square" tIns="91425">
-            <a:noAutofit/>
-          </a:bodyPr>
-          <a:lstStyle/>
-          <a:p>
-            <a:pPr indent="0" lvl="0" marL="0" rtl="0" algn="l">
-              <a:spcBef>
-                <a:spcPts val="0"/>
-              </a:spcBef>
-              <a:spcAft>
-                <a:spcPts val="0"/>
-              </a:spcAft>
-              <a:buNone/>
-            </a:pPr>
-            <a:r>
-              <a:rPr b="1" lang="zh-CN">
-                <a:solidFill>
-                  <a:srgbClr val="000000"/>
-                </a:solidFill>
-                <a:latin typeface="Times New Roman"/>
-                <a:ea typeface="Times New Roman"/>
-                <a:cs typeface="Times New Roman"/>
-                <a:sym typeface="Times New Roman"/>
-              </a:rPr>
-              <a:t>After cleaning data, three models are </a:t>
-            </a:r>
-            <a:r>
-              <a:rPr b="1" lang="zh-CN">
-                <a:solidFill>
-                  <a:srgbClr val="000000"/>
-                </a:solidFill>
-                <a:latin typeface="Times New Roman"/>
-                <a:ea typeface="Times New Roman"/>
-                <a:cs typeface="Times New Roman"/>
-                <a:sym typeface="Times New Roman"/>
-              </a:rPr>
-              <a:t>bulit in different ways:</a:t>
-            </a:r>
-            <a:endParaRPr b="1">
-              <a:solidFill>
-                <a:srgbClr val="000000"/>
-              </a:solidFill>
-              <a:latin typeface="Times New Roman"/>
-              <a:ea typeface="Times New Roman"/>
-              <a:cs typeface="Times New Roman"/>
-              <a:sym typeface="Times New Roman"/>
-            </a:endParaRPr>
-          </a:p>
-          <a:p>
-            <a:pPr indent="0" lvl="0" marL="0" rtl="0" algn="l">
-              <a:spcBef>
-                <a:spcPts val="0"/>
-              </a:spcBef>
-              <a:spcAft>
-                <a:spcPts val="0"/>
-              </a:spcAft>
-              <a:buNone/>
-            </a:pPr>
-            <a:r>
-              <a:t/>
-            </a:r>
-            <a:endParaRPr b="1">
-              <a:solidFill>
-                <a:srgbClr val="000000"/>
-              </a:solidFill>
-              <a:latin typeface="Times New Roman"/>
-              <a:ea typeface="Times New Roman"/>
-              <a:cs typeface="Times New Roman"/>
-              <a:sym typeface="Times New Roman"/>
-            </a:endParaRPr>
-          </a:p>
-          <a:p>
-            <a:pPr indent="-330200" lvl="0" marL="457200" rtl="0" algn="l">
-              <a:spcBef>
-                <a:spcPts val="0"/>
-              </a:spcBef>
-              <a:spcAft>
-                <a:spcPts val="0"/>
-              </a:spcAft>
-              <a:buClr>
-                <a:srgbClr val="000000"/>
-              </a:buClr>
-              <a:buSzPts val="1600"/>
-              <a:buFont typeface="Times New Roman"/>
-              <a:buAutoNum type="alphaLcParenBoth"/>
-            </a:pPr>
-            <a:r>
-              <a:rPr b="1" lang="zh-CN">
-                <a:solidFill>
-                  <a:srgbClr val="000000"/>
-                </a:solidFill>
-                <a:latin typeface="Times New Roman"/>
-                <a:ea typeface="Times New Roman"/>
-                <a:cs typeface="Times New Roman"/>
-                <a:sym typeface="Times New Roman"/>
-              </a:rPr>
-              <a:t>Model inspired by US army</a:t>
-            </a:r>
-            <a:endParaRPr b="1">
-              <a:solidFill>
-                <a:srgbClr val="000000"/>
-              </a:solidFill>
-              <a:latin typeface="Times New Roman"/>
-              <a:ea typeface="Times New Roman"/>
-              <a:cs typeface="Times New Roman"/>
-              <a:sym typeface="Times New Roman"/>
-            </a:endParaRPr>
-          </a:p>
-          <a:p>
-            <a:pPr indent="-330200" lvl="0" marL="457200" rtl="0" algn="l">
-              <a:spcBef>
-                <a:spcPts val="0"/>
-              </a:spcBef>
-              <a:spcAft>
-                <a:spcPts val="0"/>
-              </a:spcAft>
-              <a:buClr>
-                <a:srgbClr val="000000"/>
-              </a:buClr>
-              <a:buSzPts val="1600"/>
-              <a:buFont typeface="Times New Roman"/>
-              <a:buAutoNum type="alphaLcParenBoth"/>
-            </a:pPr>
-            <a:r>
-              <a:rPr b="1" lang="zh-CN">
-                <a:solidFill>
-                  <a:srgbClr val="000000"/>
-                </a:solidFill>
-                <a:latin typeface="Times New Roman"/>
-                <a:ea typeface="Times New Roman"/>
-                <a:cs typeface="Times New Roman"/>
-                <a:sym typeface="Times New Roman"/>
-              </a:rPr>
-              <a:t>Model inspired by cylinder</a:t>
-            </a:r>
-            <a:endParaRPr b="1">
-              <a:solidFill>
-                <a:srgbClr val="000000"/>
-              </a:solidFill>
-              <a:latin typeface="Times New Roman"/>
-              <a:ea typeface="Times New Roman"/>
-              <a:cs typeface="Times New Roman"/>
-              <a:sym typeface="Times New Roman"/>
-            </a:endParaRPr>
-          </a:p>
-          <a:p>
-            <a:pPr indent="-330200" lvl="0" marL="457200" rtl="0" algn="l">
-              <a:spcBef>
-                <a:spcPts val="0"/>
-              </a:spcBef>
-              <a:spcAft>
-                <a:spcPts val="0"/>
-              </a:spcAft>
-              <a:buClr>
-                <a:srgbClr val="000000"/>
-              </a:buClr>
-              <a:buSzPts val="1600"/>
-              <a:buFont typeface="Times New Roman"/>
-              <a:buAutoNum type="alphaLcParenBoth"/>
-            </a:pPr>
-            <a:r>
-              <a:rPr b="1" lang="zh-CN">
-                <a:solidFill>
-                  <a:srgbClr val="000000"/>
-                </a:solidFill>
-                <a:latin typeface="Times New Roman"/>
-                <a:ea typeface="Times New Roman"/>
-                <a:cs typeface="Times New Roman"/>
-                <a:sym typeface="Times New Roman"/>
-              </a:rPr>
-              <a:t>Model from Exhaustive method</a:t>
-            </a:r>
-            <a:endParaRPr b="1">
-              <a:solidFill>
-                <a:srgbClr val="000000"/>
-              </a:solidFill>
-              <a:latin typeface="Times New Roman"/>
-              <a:ea typeface="Times New Roman"/>
-              <a:cs typeface="Times New Roman"/>
-              <a:sym typeface="Times New Roman"/>
-            </a:endParaRPr>
-          </a:p>
-        </p:txBody>
-      </p:sp>
     </p:spTree>
   </p:cSld>
   <p:clrMapOvr>
@@ -11179,7 +10977,7 @@
   <p:cSld>
     <p:spTree>
       <p:nvGrpSpPr>
-        <p:cNvPr id="151" name="Shape 151"/>
+        <p:cNvPr id="150" name="Shape 150"/>
         <p:cNvGrpSpPr/>
         <p:nvPr/>
       </p:nvGrpSpPr>
@@ -11193,7 +10991,7 @@
       </p:grpSpPr>
       <p:sp>
         <p:nvSpPr>
-          <p:cNvPr id="152" name="Google Shape;152;p23"/>
+          <p:cNvPr id="151" name="Google Shape;151;p23"/>
           <p:cNvSpPr txBox="1"/>
           <p:nvPr>
             <p:ph type="title"/>
@@ -11261,7 +11059,7 @@
       </p:sp>
       <p:sp>
         <p:nvSpPr>
-          <p:cNvPr id="153" name="Google Shape;153;p23"/>
+          <p:cNvPr id="152" name="Google Shape;152;p23"/>
           <p:cNvSpPr txBox="1"/>
           <p:nvPr>
             <p:ph idx="4294967295" type="ctrTitle"/>
@@ -11311,7 +11109,7 @@
       </p:sp>
       <p:sp>
         <p:nvSpPr>
-          <p:cNvPr id="154" name="Google Shape;154;p23"/>
+          <p:cNvPr id="153" name="Google Shape;153;p23"/>
           <p:cNvSpPr txBox="1"/>
           <p:nvPr/>
         </p:nvSpPr>
@@ -11363,7 +11161,7 @@
       </p:sp>
       <p:sp>
         <p:nvSpPr>
-          <p:cNvPr id="155" name="Google Shape;155;p23"/>
+          <p:cNvPr id="154" name="Google Shape;154;p23"/>
           <p:cNvSpPr txBox="1"/>
           <p:nvPr>
             <p:ph type="title"/>
@@ -11506,7 +11304,7 @@
       </p:sp>
       <p:sp>
         <p:nvSpPr>
-          <p:cNvPr id="156" name="Google Shape;156;p23"/>
+          <p:cNvPr id="155" name="Google Shape;155;p23"/>
           <p:cNvSpPr txBox="1"/>
           <p:nvPr/>
         </p:nvSpPr>
@@ -11578,7 +11376,7 @@
   <p:cSld>
     <p:spTree>
       <p:nvGrpSpPr>
-        <p:cNvPr id="160" name="Shape 160"/>
+        <p:cNvPr id="159" name="Shape 159"/>
         <p:cNvGrpSpPr/>
         <p:nvPr/>
       </p:nvGrpSpPr>
@@ -11592,7 +11390,7 @@
       </p:grpSpPr>
       <p:pic>
         <p:nvPicPr>
-          <p:cNvPr id="161" name="Google Shape;161;p24"/>
+          <p:cNvPr id="160" name="Google Shape;160;p24"/>
           <p:cNvPicPr preferRelativeResize="0"/>
           <p:nvPr/>
         </p:nvPicPr>
@@ -11631,7 +11429,7 @@
   <p:cSld>
     <p:spTree>
       <p:nvGrpSpPr>
-        <p:cNvPr id="165" name="Shape 165"/>
+        <p:cNvPr id="164" name="Shape 164"/>
         <p:cNvGrpSpPr/>
         <p:nvPr/>
       </p:nvGrpSpPr>
@@ -11645,7 +11443,7 @@
       </p:grpSpPr>
       <p:sp>
         <p:nvSpPr>
-          <p:cNvPr id="166" name="Google Shape;166;p25"/>
+          <p:cNvPr id="165" name="Google Shape;165;p25"/>
           <p:cNvSpPr txBox="1"/>
           <p:nvPr>
             <p:ph idx="4294967295" type="ctrTitle"/>
@@ -11715,7 +11513,7 @@
       </p:sp>
       <p:sp>
         <p:nvSpPr>
-          <p:cNvPr id="167" name="Google Shape;167;p25"/>
+          <p:cNvPr id="166" name="Google Shape;166;p25"/>
           <p:cNvSpPr txBox="1"/>
           <p:nvPr>
             <p:ph type="title"/>
@@ -11896,7 +11694,7 @@
       </p:sp>
       <p:sp>
         <p:nvSpPr>
-          <p:cNvPr id="168" name="Google Shape;168;p25"/>
+          <p:cNvPr id="167" name="Google Shape;167;p25"/>
           <p:cNvSpPr txBox="1"/>
           <p:nvPr>
             <p:ph type="title"/>
@@ -11960,51 +11758,8 @@
                 <a:cs typeface="Times New Roman"/>
                 <a:sym typeface="Times New Roman"/>
               </a:rPr>
-              <a:t> a linear function of abdomen.</a:t>
+              <a:t> a linear function of abdomen. To simplify our model, we replace r with abdomen. In addition, some terms are ignored to further sim</a:t>
             </a:r>
-            <a:endParaRPr b="0" sz="1600">
-              <a:solidFill>
-                <a:srgbClr val="000000"/>
-              </a:solidFill>
-              <a:latin typeface="Times New Roman"/>
-              <a:ea typeface="Times New Roman"/>
-              <a:cs typeface="Times New Roman"/>
-              <a:sym typeface="Times New Roman"/>
-            </a:endParaRPr>
-          </a:p>
-          <a:p>
-            <a:pPr indent="0" lvl="0" marL="0" rtl="0" algn="l">
-              <a:spcBef>
-                <a:spcPts val="0"/>
-              </a:spcBef>
-              <a:spcAft>
-                <a:spcPts val="0"/>
-              </a:spcAft>
-              <a:buNone/>
-            </a:pPr>
-            <a:r>
-              <a:t/>
-            </a:r>
-            <a:endParaRPr b="0" sz="1600">
-              <a:solidFill>
-                <a:schemeClr val="accent1"/>
-              </a:solidFill>
-              <a:latin typeface="Lato"/>
-              <a:ea typeface="Lato"/>
-              <a:cs typeface="Lato"/>
-              <a:sym typeface="Lato"/>
-            </a:endParaRPr>
-          </a:p>
-          <a:p>
-            <a:pPr indent="0" lvl="0" marL="0" rtl="0" algn="l">
-              <a:spcBef>
-                <a:spcPts val="0"/>
-              </a:spcBef>
-              <a:spcAft>
-                <a:spcPts val="0"/>
-              </a:spcAft>
-              <a:buNone/>
-            </a:pPr>
             <a:r>
               <a:rPr b="0" lang="zh-CN" sz="1600">
                 <a:solidFill>
@@ -12015,7 +11770,7 @@
                 <a:cs typeface="Times New Roman"/>
                 <a:sym typeface="Times New Roman"/>
               </a:rPr>
-              <a:t>Some terms are ignored to simply the model, the final formula is:</a:t>
+              <a:t>plify the model, the final model is:</a:t>
             </a:r>
             <a:endParaRPr b="0" sz="1600">
               <a:solidFill>
@@ -12031,7 +11786,7 @@
       </p:sp>
       <p:pic>
         <p:nvPicPr>
-          <p:cNvPr descr="&lt;math xmlns=&quot;http://www.w3.org/1998/Math/MathML&quot;&gt;&lt;mi mathvariant=&quot;bold-italic&quot;&gt;B&lt;/mi&gt;&lt;mi mathvariant=&quot;bold-italic&quot;&gt;o&lt;/mi&gt;&lt;mi mathvariant=&quot;bold-italic&quot;&gt;d&lt;/mi&gt;&lt;mi mathvariant=&quot;bold-italic&quot;&gt;y&lt;/mi&gt;&lt;mi mathvariant=&quot;bold-italic&quot;&gt;F&lt;/mi&gt;&lt;mi mathvariant=&quot;bold-italic&quot;&gt;a&lt;/mi&gt;&lt;mi mathvariant=&quot;bold-italic&quot;&gt;t&lt;/mi&gt;&lt;mo mathvariant=&quot;bold&quot;&gt;~&lt;/mo&gt;&lt;mfrac&gt;&lt;mn mathvariant=&quot;bold&quot;&gt;1&lt;/mn&gt;&lt;mi mathvariant=&quot;bold&quot;&gt;&amp;#x3C1;&lt;/mi&gt;&lt;/mfrac&gt;&lt;mo mathvariant=&quot;bold&quot;&gt;&amp;#xA0;&lt;/mo&gt;&lt;mo mathvariant=&quot;bold&quot;&gt;=&lt;/mo&gt;&lt;mo mathvariant=&quot;bold&quot;&gt;&amp;#xA0;&lt;/mo&gt;&lt;mfrac&gt;&lt;mrow&gt;&lt;mi mathvariant=&quot;bold&quot;&gt;&amp;#x3C0;&lt;/mi&gt;&lt;msup&gt;&lt;mi mathvariant=&quot;bold&quot;&gt;r&lt;/mi&gt;&lt;mn mathvariant=&quot;bold&quot;&gt;2&lt;/mn&gt;&lt;/msup&gt;&lt;/mrow&gt;&lt;mrow&gt;&lt;mi mathvariant=&quot;bold&quot;&gt;B&lt;/mi&gt;&lt;mi mathvariant=&quot;bold&quot;&gt;M&lt;/mi&gt;&lt;mi mathvariant=&quot;bold&quot;&gt;I&lt;/mi&gt;&lt;mo mathvariant=&quot;bold&quot;&gt;&amp;#xD7;&lt;/mo&gt;&lt;mi mathvariant=&quot;bold&quot;&gt;H&lt;/mi&gt;&lt;mi mathvariant=&quot;bold&quot;&gt;e&lt;/mi&gt;&lt;mi mathvariant=&quot;bold&quot;&gt;i&lt;/mi&gt;&lt;mi mathvariant=&quot;bold&quot;&gt;g&lt;/mi&gt;&lt;mi mathvariant=&quot;bold&quot;&gt;h&lt;/mi&gt;&lt;mi mathvariant=&quot;bold&quot;&gt;t&lt;/mi&gt;&lt;/mrow&gt;&lt;/mfrac&gt;&lt;mo mathvariant=&quot;bold&quot;&gt;~&lt;/mo&gt;&lt;mfrac&gt;&lt;msup&gt;&lt;mfenced&gt;&lt;mrow&gt;&lt;mi mathvariant=&quot;bold&quot;&gt;&amp;#x3B1;&lt;/mi&gt;&lt;mi mathvariant=&quot;bold&quot;&gt;A&lt;/mi&gt;&lt;mi mathvariant=&quot;bold&quot;&gt;b&lt;/mi&gt;&lt;mi mathvariant=&quot;bold&quot;&gt;d&lt;/mi&gt;&lt;mi mathvariant=&quot;bold&quot;&gt;o&lt;/mi&gt;&lt;mi mathvariant=&quot;bold&quot;&gt;m&lt;/mi&gt;&lt;mi mathvariant=&quot;bold&quot;&gt;e&lt;/mi&gt;&lt;mi mathvariant=&quot;bold&quot;&gt;n&lt;/mi&gt;&lt;mo mathvariant=&quot;bold&quot;&gt;+&lt;/mo&gt;&lt;mi mathvariant=&quot;bold&quot;&gt;&amp;#x3B2;&lt;/mi&gt;&lt;/mrow&gt;&lt;/mfenced&gt;&lt;mn mathvariant=&quot;bold&quot;&gt;2&lt;/mn&gt;&lt;/msup&gt;&lt;mrow&gt;&lt;mi mathvariant=&quot;bold&quot;&gt;H&lt;/mi&gt;&lt;mi mathvariant=&quot;bold&quot;&gt;e&lt;/mi&gt;&lt;mi mathvariant=&quot;bold&quot;&gt;i&lt;/mi&gt;&lt;mi mathvariant=&quot;bold&quot;&gt;g&lt;/mi&gt;&lt;mi mathvariant=&quot;bold&quot;&gt;h&lt;/mi&gt;&lt;mi mathvariant=&quot;bold&quot;&gt;t&lt;/mi&gt;&lt;mo mathvariant=&quot;bold&quot;&gt;&amp;#xD7;&lt;/mo&gt;&lt;mfenced&gt;&lt;mrow&gt;&lt;mi mathvariant=&quot;bold&quot;&gt;a&lt;/mi&gt;&lt;mi mathvariant=&quot;bold&quot;&gt;A&lt;/mi&gt;&lt;mi mathvariant=&quot;bold&quot;&gt;b&lt;/mi&gt;&lt;mi mathvariant=&quot;bold&quot;&gt;d&lt;/mi&gt;&lt;mi mathvariant=&quot;bold&quot;&gt;o&lt;/mi&gt;&lt;mi mathvariant=&quot;bold&quot;&gt;m&lt;/mi&gt;&lt;mi mathvariant=&quot;bold&quot;&gt;e&lt;/mi&gt;&lt;mi mathvariant=&quot;bold&quot;&gt;n&lt;/mi&gt;&lt;mo mathvariant=&quot;bold&quot;&gt;+&lt;/mo&gt;&lt;mi mathvariant=&quot;bold&quot;&gt;b&lt;/mi&gt;&lt;/mrow&gt;&lt;/mfenced&gt;&lt;/mrow&gt;&lt;/mfrac&gt;&lt;mo mathvariant=&quot;bold&quot;&gt;~&lt;/mo&gt;&lt;mfrac&gt;&lt;mn mathvariant=&quot;bold&quot;&gt;1&lt;/mn&gt;&lt;mrow&gt;&lt;mi mathvariant=&quot;bold&quot;&gt;H&lt;/mi&gt;&lt;mi mathvariant=&quot;bold&quot;&gt;e&lt;/mi&gt;&lt;mi mathvariant=&quot;bold&quot;&gt;i&lt;/mi&gt;&lt;mi mathvariant=&quot;bold&quot;&gt;g&lt;/mi&gt;&lt;mi mathvariant=&quot;bold&quot;&gt;h&lt;/mi&gt;&lt;mi mathvariant=&quot;bold&quot;&gt;t&lt;/mi&gt;&lt;/mrow&gt;&lt;/mfrac&gt;&lt;mfenced&gt;&lt;mrow&gt;&lt;mi mathvariant=&quot;bold&quot;&gt;A&lt;/mi&gt;&lt;mi mathvariant=&quot;bold&quot;&gt;b&lt;/mi&gt;&lt;mi mathvariant=&quot;bold&quot;&gt;d&lt;/mi&gt;&lt;mi mathvariant=&quot;bold&quot;&gt;o&lt;/mi&gt;&lt;mi mathvariant=&quot;bold&quot;&gt;m&lt;/mi&gt;&lt;mi mathvariant=&quot;bold&quot;&gt;e&lt;/mi&gt;&lt;mi mathvariant=&quot;bold&quot;&gt;n&lt;/mi&gt;&lt;mo mathvariant=&quot;bold&quot;&gt;&amp;#xA0;&lt;/mo&gt;&lt;mo mathvariant=&quot;bold&quot;&gt;+&lt;/mo&gt;&lt;mo mathvariant=&quot;bold&quot;&gt;&amp;#xA0;&lt;/mo&gt;&lt;mn mathvariant=&quot;bold&quot;&gt;1&lt;/mn&gt;&lt;mo mathvariant=&quot;bold&quot;&gt;&amp;#xA0;&lt;/mo&gt;&lt;mo mathvariant=&quot;bold&quot;&gt;+&lt;/mo&gt;&lt;mfrac&gt;&lt;mn mathvariant=&quot;bold&quot;&gt;1&lt;/mn&gt;&lt;mrow&gt;&lt;mi mathvariant=&quot;bold&quot;&gt;A&lt;/mi&gt;&lt;mi mathvariant=&quot;bold&quot;&gt;b&lt;/mi&gt;&lt;mi mathvariant=&quot;bold&quot;&gt;d&lt;/mi&gt;&lt;mi mathvariant=&quot;bold&quot;&gt;o&lt;/mi&gt;&lt;mi mathvariant=&quot;bold&quot;&gt;m&lt;/mi&gt;&lt;mi mathvariant=&quot;bold&quot;&gt;e&lt;/mi&gt;&lt;mi mathvariant=&quot;bold&quot;&gt;n&lt;/mi&gt;&lt;/mrow&gt;&lt;/mfrac&gt;&lt;/mrow&gt;&lt;/mfenced&gt;&lt;/math&gt;" id="169" name="Google Shape;169;p25" title="bold italic B bold italic o bold italic d bold italic y bold italic F bold italic a bold italic t bold tilde bold 1 over bold rho bold space bold equals bold space fraction numerator bold pi bold r to the power of bold 2 over denominator bold B bold M bold I bold cross times bold H bold e bold i bold g bold h bold t end fraction bold tilde fraction numerator open parentheses bold alpha bold A bold b bold d bold o bold m bold e bold n bold plus bold beta close parentheses to the power of bold 2 over denominator bold H bold e bold i bold g bold h bold t bold cross times open parentheses bold a bold A bold b bold d bold o bold m bold e bold n bold plus bold b close parentheses end fraction bold tilde fraction numerator bold 1 over denominator bold H bold e bold i bold g bold h bold t end fraction open parentheses bold A bold b bold d bold o bold m bold e bold n bold space bold plus bold space bold 1 bold space bold plus fraction numerator bold 1 over denominator bold A bold b bold d bold o bold m bold e bold n end fraction close parentheses"/>
+          <p:cNvPr id="168" name="Google Shape;168;p25"/>
           <p:cNvPicPr preferRelativeResize="0"/>
           <p:nvPr/>
         </p:nvPicPr>
@@ -12045,8 +11800,8 @@
         </p:blipFill>
         <p:spPr>
           <a:xfrm>
-            <a:off x="1201050" y="4092000"/>
-            <a:ext cx="7086600" cy="409575"/>
+            <a:off x="1549375" y="2207525"/>
+            <a:ext cx="6048561" cy="638100"/>
           </a:xfrm>
           <a:prstGeom prst="rect">
             <a:avLst/>
@@ -12059,7 +11814,7 @@
       </p:pic>
       <p:pic>
         <p:nvPicPr>
-          <p:cNvPr descr="&lt;math xmlns=&quot;http://www.w3.org/1998/Math/MathML&quot;&gt;&lt;mi mathvariant=&quot;bold&quot;&gt;&amp;#x3C1;&lt;/mi&gt;&lt;mo mathvariant=&quot;bold&quot;&gt;&amp;#xA0;&lt;/mo&gt;&lt;mo mathvariant=&quot;bold&quot;&gt;=&lt;/mo&gt;&lt;mo mathvariant=&quot;bold&quot;&gt;&amp;#xA0;&lt;/mo&gt;&lt;mfrac&gt;&lt;mi mathvariant=&quot;bold&quot;&gt;m&lt;/mi&gt;&lt;mi mathvariant=&quot;bold&quot;&gt;V&lt;/mi&gt;&lt;/mfrac&gt;&lt;mo mathvariant=&quot;bold&quot;&gt;=&lt;/mo&gt;&lt;mfrac&gt;&lt;mi mathvariant=&quot;bold&quot;&gt;Weight&lt;/mi&gt;&lt;mrow&gt;&lt;msup&gt;&lt;mi mathvariant=&quot;bold&quot;&gt;&amp;#x3C0;r&lt;/mi&gt;&lt;mn mathvariant=&quot;bold&quot;&gt;2&lt;/mn&gt;&lt;/msup&gt;&lt;mi mathvariant=&quot;bold&quot;&gt;Height&lt;/mi&gt;&lt;/mrow&gt;&lt;/mfrac&gt;&lt;mo mathvariant=&quot;bold&quot;&gt;=&lt;/mo&gt;&lt;mfrac&gt;&lt;mrow&gt;&lt;mi mathvariant=&quot;bold&quot;&gt;Weight&lt;/mi&gt;&lt;mo mathvariant=&quot;bold&quot;&gt;&amp;#xD7;&lt;/mo&gt;&lt;mi mathvariant=&quot;bold&quot;&gt;Height&lt;/mi&gt;&lt;/mrow&gt;&lt;mrow&gt;&lt;msup&gt;&lt;mi mathvariant=&quot;bold&quot;&gt;&amp;#x3C0;r&lt;/mi&gt;&lt;mn mathvariant=&quot;bold&quot;&gt;2&lt;/mn&gt;&lt;/msup&gt;&lt;msup&gt;&lt;mi mathvariant=&quot;bold&quot;&gt;Height&lt;/mi&gt;&lt;mn mathvariant=&quot;bold&quot;&gt;2&lt;/mn&gt;&lt;/msup&gt;&lt;/mrow&gt;&lt;/mfrac&gt;&lt;mo mathvariant=&quot;bold&quot;&gt;=&lt;/mo&gt;&lt;mfrac&gt;&lt;mrow&gt;&lt;mi mathvariant=&quot;bold&quot;&gt;BMI&lt;/mi&gt;&lt;mo mathvariant=&quot;bold&quot;&gt;&amp;#xD7;&lt;/mo&gt;&lt;mi mathvariant=&quot;bold&quot;&gt;Height&lt;/mi&gt;&lt;/mrow&gt;&lt;msup&gt;&lt;mi mathvariant=&quot;bold&quot;&gt;&amp;#x3C0;r&lt;/mi&gt;&lt;mn mathvariant=&quot;bold&quot;&gt;2&lt;/mn&gt;&lt;/msup&gt;&lt;/mfrac&gt;&lt;/math&gt;" id="170" name="Google Shape;170;p25" title="bold rho bold space bold equals bold space bold m over bold V bold equals fraction numerator bold Weight over denominator bold πr to the power of bold 2 bold Height end fraction bold equals fraction numerator bold Weight bold cross times bold Height over denominator bold πr to the power of bold 2 bold Height to the power of bold 2 end fraction bold equals fraction numerator bold BMI bold cross times bold Height over denominator bold πr to the power of bold 2 end fraction"/>
+          <p:cNvPr id="169" name="Google Shape;169;p25"/>
           <p:cNvPicPr preferRelativeResize="0"/>
           <p:nvPr/>
         </p:nvPicPr>
@@ -12073,8 +11828,8 @@
         </p:blipFill>
         <p:spPr>
           <a:xfrm>
-            <a:off x="2847812" y="2263650"/>
-            <a:ext cx="3451680" cy="338400"/>
+            <a:off x="1891684" y="3830779"/>
+            <a:ext cx="5705318" cy="1193100"/>
           </a:xfrm>
           <a:prstGeom prst="rect">
             <a:avLst/>
@@ -12098,7 +11853,7 @@
   <p:cSld>
     <p:spTree>
       <p:nvGrpSpPr>
-        <p:cNvPr id="174" name="Shape 174"/>
+        <p:cNvPr id="173" name="Shape 173"/>
         <p:cNvGrpSpPr/>
         <p:nvPr/>
       </p:nvGrpSpPr>
@@ -12112,7 +11867,7 @@
       </p:grpSpPr>
       <p:pic>
         <p:nvPicPr>
-          <p:cNvPr id="175" name="Google Shape;175;p26"/>
+          <p:cNvPr id="174" name="Google Shape;174;p26"/>
           <p:cNvPicPr preferRelativeResize="0"/>
           <p:nvPr/>
         </p:nvPicPr>
@@ -12151,7 +11906,7 @@
   <p:cSld>
     <p:spTree>
       <p:nvGrpSpPr>
-        <p:cNvPr id="179" name="Shape 179"/>
+        <p:cNvPr id="178" name="Shape 178"/>
         <p:cNvGrpSpPr/>
         <p:nvPr/>
       </p:nvGrpSpPr>
@@ -12165,7 +11920,7 @@
       </p:grpSpPr>
       <p:sp>
         <p:nvSpPr>
-          <p:cNvPr id="180" name="Google Shape;180;p27"/>
+          <p:cNvPr id="179" name="Google Shape;179;p27"/>
           <p:cNvSpPr txBox="1"/>
           <p:nvPr>
             <p:ph idx="4294967295" type="ctrTitle"/>
@@ -12235,7 +11990,7 @@
       </p:sp>
       <p:sp>
         <p:nvSpPr>
-          <p:cNvPr id="181" name="Google Shape;181;p27"/>
+          <p:cNvPr id="180" name="Google Shape;180;p27"/>
           <p:cNvSpPr txBox="1"/>
           <p:nvPr>
             <p:ph type="title"/>
@@ -12360,7 +12115,7 @@
       </p:sp>
       <p:pic>
         <p:nvPicPr>
-          <p:cNvPr id="182" name="Google Shape;182;p27"/>
+          <p:cNvPr id="181" name="Google Shape;181;p27"/>
           <p:cNvPicPr preferRelativeResize="0"/>
           <p:nvPr/>
         </p:nvPicPr>
@@ -12388,7 +12143,7 @@
       </p:pic>
       <p:sp>
         <p:nvSpPr>
-          <p:cNvPr id="183" name="Google Shape;183;p27"/>
+          <p:cNvPr id="182" name="Google Shape;182;p27"/>
           <p:cNvSpPr txBox="1"/>
           <p:nvPr/>
         </p:nvSpPr>
@@ -12543,7 +12298,7 @@
   <p:cSld>
     <p:spTree>
       <p:nvGrpSpPr>
-        <p:cNvPr id="187" name="Shape 187"/>
+        <p:cNvPr id="186" name="Shape 186"/>
         <p:cNvGrpSpPr/>
         <p:nvPr/>
       </p:nvGrpSpPr>
@@ -12557,7 +12312,7 @@
       </p:grpSpPr>
       <p:pic>
         <p:nvPicPr>
-          <p:cNvPr id="188" name="Google Shape;188;p28"/>
+          <p:cNvPr id="187" name="Google Shape;187;p28"/>
           <p:cNvPicPr preferRelativeResize="0"/>
           <p:nvPr/>
         </p:nvPicPr>
@@ -12596,7 +12351,7 @@
   <p:cSld>
     <p:spTree>
       <p:nvGrpSpPr>
-        <p:cNvPr id="192" name="Shape 192"/>
+        <p:cNvPr id="191" name="Shape 191"/>
         <p:cNvGrpSpPr/>
         <p:nvPr/>
       </p:nvGrpSpPr>
@@ -12610,7 +12365,7 @@
       </p:grpSpPr>
       <p:sp>
         <p:nvSpPr>
-          <p:cNvPr id="193" name="Google Shape;193;p29"/>
+          <p:cNvPr id="192" name="Google Shape;192;p29"/>
           <p:cNvSpPr txBox="1"/>
           <p:nvPr>
             <p:ph idx="4294967295" type="ctrTitle"/>
@@ -12680,7 +12435,7 @@
       </p:sp>
       <p:sp>
         <p:nvSpPr>
-          <p:cNvPr id="194" name="Google Shape;194;p29"/>
+          <p:cNvPr id="193" name="Google Shape;193;p29"/>
           <p:cNvSpPr txBox="1"/>
           <p:nvPr>
             <p:ph type="title"/>
@@ -12736,7 +12491,7 @@
       </p:sp>
       <p:graphicFrame>
         <p:nvGraphicFramePr>
-          <p:cNvPr id="195" name="Google Shape;195;p29"/>
+          <p:cNvPr id="194" name="Google Shape;194;p29"/>
           <p:cNvGraphicFramePr/>
           <p:nvPr/>
         </p:nvGraphicFramePr>
@@ -12749,7 +12504,7 @@
             <a:tbl>
               <a:tblPr>
                 <a:noFill/>
-                <a:tableStyleId>{7CD9A5FF-9ECF-48FD-B34D-AB7C0F43B602}</a:tableStyleId>
+                <a:tableStyleId>{11761AE5-05CD-46F6-AD92-C94F25BD8CBA}</a:tableStyleId>
               </a:tblPr>
               <a:tblGrid>
                 <a:gridCol w="2397125"/>
@@ -12907,7 +12662,7 @@
                           <a:cs typeface="Times New Roman"/>
                           <a:sym typeface="Times New Roman"/>
                         </a:rPr>
-                        <a:t>Adjusted R sqaure</a:t>
+                        <a:t>Adjusted R square</a:t>
                       </a:r>
                       <a:endParaRPr sz="1800">
                         <a:latin typeface="Times New Roman"/>
@@ -13153,13 +12908,147 @@
                   <a:tcPr marT="91425" marB="91425" marR="91425" marL="91425" anchor="ctr"/>
                 </a:tc>
               </a:tr>
+              <a:tr h="381000">
+                <a:tc>
+                  <a:txBody>
+                    <a:bodyPr/>
+                    <a:lstStyle/>
+                    <a:p>
+                      <a:pPr indent="0" lvl="0" marL="0" rtl="0" algn="l">
+                        <a:spcBef>
+                          <a:spcPts val="0"/>
+                        </a:spcBef>
+                        <a:spcAft>
+                          <a:spcPts val="0"/>
+                        </a:spcAft>
+                        <a:buNone/>
+                      </a:pPr>
+                      <a:r>
+                        <a:rPr lang="zh-CN" sz="1800">
+                          <a:latin typeface="Times New Roman"/>
+                          <a:ea typeface="Times New Roman"/>
+                          <a:cs typeface="Times New Roman"/>
+                          <a:sym typeface="Times New Roman"/>
+                        </a:rPr>
+                        <a:t>F - statistics</a:t>
+                      </a:r>
+                      <a:endParaRPr sz="1800">
+                        <a:latin typeface="Times New Roman"/>
+                        <a:ea typeface="Times New Roman"/>
+                        <a:cs typeface="Times New Roman"/>
+                        <a:sym typeface="Times New Roman"/>
+                      </a:endParaRPr>
+                    </a:p>
+                  </a:txBody>
+                  <a:tcPr marT="91425" marB="91425" marR="91425" marL="91425"/>
+                </a:tc>
+                <a:tc>
+                  <a:txBody>
+                    <a:bodyPr/>
+                    <a:lstStyle/>
+                    <a:p>
+                      <a:pPr indent="0" lvl="0" marL="0" rtl="0" algn="ctr">
+                        <a:spcBef>
+                          <a:spcPts val="0"/>
+                        </a:spcBef>
+                        <a:spcAft>
+                          <a:spcPts val="0"/>
+                        </a:spcAft>
+                        <a:buNone/>
+                      </a:pPr>
+                      <a:r>
+                        <a:rPr lang="zh-CN" sz="1800">
+                          <a:latin typeface="Times New Roman"/>
+                          <a:ea typeface="Times New Roman"/>
+                          <a:cs typeface="Times New Roman"/>
+                          <a:sym typeface="Times New Roman"/>
+                        </a:rPr>
+                        <a:t>282.9</a:t>
+                      </a:r>
+                      <a:endParaRPr sz="1800">
+                        <a:latin typeface="Times New Roman"/>
+                        <a:ea typeface="Times New Roman"/>
+                        <a:cs typeface="Times New Roman"/>
+                        <a:sym typeface="Times New Roman"/>
+                      </a:endParaRPr>
+                    </a:p>
+                  </a:txBody>
+                  <a:tcPr marT="91425" marB="91425" marR="91425" marL="91425" anchor="ctr"/>
+                </a:tc>
+                <a:tc>
+                  <a:txBody>
+                    <a:bodyPr/>
+                    <a:lstStyle/>
+                    <a:p>
+                      <a:pPr indent="0" lvl="0" marL="0" rtl="0" algn="ctr">
+                        <a:spcBef>
+                          <a:spcPts val="0"/>
+                        </a:spcBef>
+                        <a:spcAft>
+                          <a:spcPts val="0"/>
+                        </a:spcAft>
+                        <a:buNone/>
+                      </a:pPr>
+                      <a:r>
+                        <a:rPr lang="zh-CN" sz="1800">
+                          <a:latin typeface="Times New Roman"/>
+                          <a:ea typeface="Times New Roman"/>
+                          <a:cs typeface="Times New Roman"/>
+                          <a:sym typeface="Times New Roman"/>
+                        </a:rPr>
+                        <a:t>194.3</a:t>
+                      </a:r>
+                      <a:endParaRPr sz="1800">
+                        <a:latin typeface="Times New Roman"/>
+                        <a:ea typeface="Times New Roman"/>
+                        <a:cs typeface="Times New Roman"/>
+                        <a:sym typeface="Times New Roman"/>
+                      </a:endParaRPr>
+                    </a:p>
+                  </a:txBody>
+                  <a:tcPr marT="91425" marB="91425" marR="91425" marL="91425" anchor="ctr"/>
+                </a:tc>
+                <a:tc>
+                  <a:txBody>
+                    <a:bodyPr/>
+                    <a:lstStyle/>
+                    <a:p>
+                      <a:pPr indent="0" lvl="0" marL="0" rtl="0" algn="ctr">
+                        <a:spcBef>
+                          <a:spcPts val="0"/>
+                        </a:spcBef>
+                        <a:spcAft>
+                          <a:spcPts val="0"/>
+                        </a:spcAft>
+                        <a:buNone/>
+                      </a:pPr>
+                      <a:r>
+                        <a:rPr lang="zh-CN" sz="1800">
+                          <a:latin typeface="Times New Roman"/>
+                          <a:ea typeface="Times New Roman"/>
+                          <a:cs typeface="Times New Roman"/>
+                          <a:sym typeface="Times New Roman"/>
+                        </a:rPr>
+                        <a:t>294.7</a:t>
+                      </a:r>
+                      <a:endParaRPr sz="1800">
+                        <a:latin typeface="Times New Roman"/>
+                        <a:ea typeface="Times New Roman"/>
+                        <a:cs typeface="Times New Roman"/>
+                        <a:sym typeface="Times New Roman"/>
+                      </a:endParaRPr>
+                    </a:p>
+                  </a:txBody>
+                  <a:tcPr marT="91425" marB="91425" marR="91425" marL="91425" anchor="ctr"/>
+                </a:tc>
+              </a:tr>
             </a:tbl>
           </a:graphicData>
         </a:graphic>
       </p:graphicFrame>
       <p:sp>
         <p:nvSpPr>
-          <p:cNvPr id="196" name="Google Shape;196;p29"/>
+          <p:cNvPr id="195" name="Google Shape;195;p29"/>
           <p:cNvSpPr txBox="1"/>
           <p:nvPr>
             <p:ph type="title"/>
@@ -13167,7 +13056,7 @@
         </p:nvSpPr>
         <p:spPr>
           <a:xfrm>
-            <a:off x="727788" y="3631575"/>
+            <a:off x="729438" y="4036375"/>
             <a:ext cx="7688400" cy="427500"/>
           </a:xfrm>
           <a:prstGeom prst="rect">
@@ -13226,7 +13115,7 @@
   <p:cSld>
     <p:spTree>
       <p:nvGrpSpPr>
-        <p:cNvPr id="200" name="Shape 200"/>
+        <p:cNvPr id="199" name="Shape 199"/>
         <p:cNvGrpSpPr/>
         <p:nvPr/>
       </p:nvGrpSpPr>
@@ -13240,7 +13129,7 @@
       </p:grpSpPr>
       <p:sp>
         <p:nvSpPr>
-          <p:cNvPr id="201" name="Google Shape;201;p30"/>
+          <p:cNvPr id="200" name="Google Shape;200;p30"/>
           <p:cNvSpPr txBox="1"/>
           <p:nvPr>
             <p:ph type="ctrTitle"/>
@@ -13301,7 +13190,7 @@
   <p:cSld>
     <p:spTree>
       <p:nvGrpSpPr>
-        <p:cNvPr id="205" name="Shape 205"/>
+        <p:cNvPr id="204" name="Shape 204"/>
         <p:cNvGrpSpPr/>
         <p:nvPr/>
       </p:nvGrpSpPr>
@@ -13315,7 +13204,7 @@
       </p:grpSpPr>
       <p:sp>
         <p:nvSpPr>
-          <p:cNvPr id="206" name="Google Shape;206;p31"/>
+          <p:cNvPr id="205" name="Google Shape;205;p31"/>
           <p:cNvSpPr txBox="1"/>
           <p:nvPr>
             <p:ph idx="4294967295" type="ctrTitle"/>
@@ -13385,7 +13274,7 @@
       </p:sp>
       <p:sp>
         <p:nvSpPr>
-          <p:cNvPr id="207" name="Google Shape;207;p31"/>
+          <p:cNvPr id="206" name="Google Shape;206;p31"/>
           <p:cNvSpPr txBox="1"/>
           <p:nvPr>
             <p:ph type="title"/>
@@ -13473,7 +13362,7 @@
       </p:sp>
       <p:graphicFrame>
         <p:nvGraphicFramePr>
-          <p:cNvPr id="208" name="Google Shape;208;p31"/>
+          <p:cNvPr id="207" name="Google Shape;207;p31"/>
           <p:cNvGraphicFramePr/>
           <p:nvPr/>
         </p:nvGraphicFramePr>
@@ -13486,7 +13375,7 @@
             <a:tbl>
               <a:tblPr>
                 <a:noFill/>
-                <a:tableStyleId>{7CD9A5FF-9ECF-48FD-B34D-AB7C0F43B602}</a:tableStyleId>
+                <a:tableStyleId>{11761AE5-05CD-46F6-AD92-C94F25BD8CBA}</a:tableStyleId>
               </a:tblPr>
               <a:tblGrid>
                 <a:gridCol w="2397125"/>
@@ -13896,7 +13785,7 @@
       </p:graphicFrame>
       <p:sp>
         <p:nvSpPr>
-          <p:cNvPr id="209" name="Google Shape;209;p31"/>
+          <p:cNvPr id="208" name="Google Shape;208;p31"/>
           <p:cNvSpPr txBox="1"/>
           <p:nvPr>
             <p:ph type="title"/>
@@ -14076,7 +13965,7 @@
   <p:cSld>
     <p:spTree>
       <p:nvGrpSpPr>
-        <p:cNvPr id="213" name="Shape 213"/>
+        <p:cNvPr id="212" name="Shape 212"/>
         <p:cNvGrpSpPr/>
         <p:nvPr/>
       </p:nvGrpSpPr>
@@ -14090,7 +13979,7 @@
       </p:grpSpPr>
       <p:sp>
         <p:nvSpPr>
-          <p:cNvPr id="214" name="Google Shape;214;p32"/>
+          <p:cNvPr id="213" name="Google Shape;213;p32"/>
           <p:cNvSpPr txBox="1"/>
           <p:nvPr>
             <p:ph type="title"/>
@@ -14140,7 +14029,7 @@
       </p:sp>
       <p:sp>
         <p:nvSpPr>
-          <p:cNvPr id="215" name="Google Shape;215;p32"/>
+          <p:cNvPr id="214" name="Google Shape;214;p32"/>
           <p:cNvSpPr txBox="1"/>
           <p:nvPr>
             <p:ph idx="1" type="subTitle"/>
@@ -14196,7 +14085,7 @@
       </p:sp>
       <p:pic>
         <p:nvPicPr>
-          <p:cNvPr id="216" name="Google Shape;216;p32"/>
+          <p:cNvPr id="215" name="Google Shape;215;p32"/>
           <p:cNvPicPr preferRelativeResize="0"/>
           <p:nvPr/>
         </p:nvPicPr>
@@ -14235,7 +14124,7 @@
   <p:cSld>
     <p:spTree>
       <p:nvGrpSpPr>
-        <p:cNvPr id="220" name="Shape 220"/>
+        <p:cNvPr id="219" name="Shape 219"/>
         <p:cNvGrpSpPr/>
         <p:nvPr/>
       </p:nvGrpSpPr>
@@ -14249,7 +14138,7 @@
       </p:grpSpPr>
       <p:sp>
         <p:nvSpPr>
-          <p:cNvPr id="221" name="Google Shape;221;p33"/>
+          <p:cNvPr id="220" name="Google Shape;220;p33"/>
           <p:cNvSpPr txBox="1"/>
           <p:nvPr>
             <p:ph type="title"/>
@@ -14299,7 +14188,7 @@
       </p:sp>
       <p:sp>
         <p:nvSpPr>
-          <p:cNvPr id="222" name="Google Shape;222;p33"/>
+          <p:cNvPr id="221" name="Google Shape;221;p33"/>
           <p:cNvSpPr txBox="1"/>
           <p:nvPr>
             <p:ph idx="1" type="subTitle"/>
@@ -14355,7 +14244,7 @@
       </p:sp>
       <p:pic>
         <p:nvPicPr>
-          <p:cNvPr id="223" name="Google Shape;223;p33"/>
+          <p:cNvPr id="222" name="Google Shape;222;p33"/>
           <p:cNvPicPr preferRelativeResize="0"/>
           <p:nvPr/>
         </p:nvPicPr>
@@ -14394,7 +14283,7 @@
   <p:cSld>
     <p:spTree>
       <p:nvGrpSpPr>
-        <p:cNvPr id="227" name="Shape 227"/>
+        <p:cNvPr id="226" name="Shape 226"/>
         <p:cNvGrpSpPr/>
         <p:nvPr/>
       </p:nvGrpSpPr>
@@ -14408,7 +14297,7 @@
       </p:grpSpPr>
       <p:sp>
         <p:nvSpPr>
-          <p:cNvPr id="228" name="Google Shape;228;p34"/>
+          <p:cNvPr id="227" name="Google Shape;227;p34"/>
           <p:cNvSpPr txBox="1"/>
           <p:nvPr>
             <p:ph type="title"/>
@@ -14458,7 +14347,7 @@
       </p:sp>
       <p:sp>
         <p:nvSpPr>
-          <p:cNvPr id="229" name="Google Shape;229;p34"/>
+          <p:cNvPr id="228" name="Google Shape;228;p34"/>
           <p:cNvSpPr txBox="1"/>
           <p:nvPr/>
         </p:nvSpPr>
@@ -14510,7 +14399,7 @@
       </p:sp>
       <p:pic>
         <p:nvPicPr>
-          <p:cNvPr id="230" name="Google Shape;230;p34"/>
+          <p:cNvPr id="229" name="Google Shape;229;p34"/>
           <p:cNvPicPr preferRelativeResize="0"/>
           <p:nvPr/>
         </p:nvPicPr>
@@ -14538,7 +14427,7 @@
       </p:pic>
       <p:sp>
         <p:nvSpPr>
-          <p:cNvPr id="231" name="Google Shape;231;p34"/>
+          <p:cNvPr id="230" name="Google Shape;230;p34"/>
           <p:cNvSpPr txBox="1"/>
           <p:nvPr/>
         </p:nvSpPr>
@@ -14661,7 +14550,7 @@
   <p:cSld>
     <p:spTree>
       <p:nvGrpSpPr>
-        <p:cNvPr id="235" name="Shape 235"/>
+        <p:cNvPr id="234" name="Shape 234"/>
         <p:cNvGrpSpPr/>
         <p:nvPr/>
       </p:nvGrpSpPr>
@@ -14675,7 +14564,7 @@
       </p:grpSpPr>
       <p:sp>
         <p:nvSpPr>
-          <p:cNvPr id="236" name="Google Shape;236;p35"/>
+          <p:cNvPr id="235" name="Google Shape;235;p35"/>
           <p:cNvSpPr txBox="1"/>
           <p:nvPr>
             <p:ph idx="4294967295" type="ctrTitle"/>
@@ -14745,7 +14634,7 @@
       </p:sp>
       <p:sp>
         <p:nvSpPr>
-          <p:cNvPr id="237" name="Google Shape;237;p35"/>
+          <p:cNvPr id="236" name="Google Shape;236;p35"/>
           <p:cNvSpPr txBox="1"/>
           <p:nvPr>
             <p:ph type="title"/>
@@ -14753,7 +14642,7 @@
         </p:nvSpPr>
         <p:spPr>
           <a:xfrm>
-            <a:off x="729425" y="1318650"/>
+            <a:off x="729613" y="1318650"/>
             <a:ext cx="7688100" cy="475200"/>
           </a:xfrm>
           <a:prstGeom prst="rect">
@@ -14801,7 +14690,7 @@
       </p:sp>
       <p:sp>
         <p:nvSpPr>
-          <p:cNvPr id="238" name="Google Shape;238;p35"/>
+          <p:cNvPr id="237" name="Google Shape;237;p35"/>
           <p:cNvSpPr txBox="1"/>
           <p:nvPr>
             <p:ph type="title"/>
@@ -14857,7 +14746,7 @@
       </p:sp>
       <p:pic>
         <p:nvPicPr>
-          <p:cNvPr descr="&lt;math xmlns=&quot;http://www.w3.org/1998/Math/MathML&quot;&gt;&lt;mi mathvariant=&quot;bold-italic&quot;&gt;B&lt;/mi&gt;&lt;mi mathvariant=&quot;bold-italic&quot;&gt;o&lt;/mi&gt;&lt;mi mathvariant=&quot;bold-italic&quot;&gt;d&lt;/mi&gt;&lt;mi mathvariant=&quot;bold-italic&quot;&gt;y&lt;/mi&gt;&lt;mi mathvariant=&quot;bold-italic&quot;&gt;F&lt;/mi&gt;&lt;mi mathvariant=&quot;bold-italic&quot;&gt;a&lt;/mi&gt;&lt;mi mathvariant=&quot;bold-italic&quot;&gt;t&lt;/mi&gt;&lt;mo mathvariant=&quot;bold&quot;&gt;&amp;#xA0;&lt;/mo&gt;&lt;mo mathvariant=&quot;bold&quot;&gt;=&lt;/mo&gt;&lt;mo mathvariant=&quot;bold&quot;&gt;&amp;#xA0;&lt;/mo&gt;&lt;mo mathvariant=&quot;bold&quot;&gt;-&lt;/mo&gt;&lt;mn mathvariant=&quot;bold&quot;&gt;21&lt;/mn&gt;&lt;mo mathvariant=&quot;bold&quot;&gt;.&lt;/mo&gt;&lt;mn mathvariant=&quot;bold&quot;&gt;62&lt;/mn&gt;&lt;mo mathvariant=&quot;bold&quot;&gt;&amp;#xA0;&lt;/mo&gt;&lt;mo mathvariant=&quot;bold&quot;&gt;-&lt;/mo&gt;&lt;mo mathvariant=&quot;bold&quot;&gt;&amp;#xA0;&lt;/mo&gt;&lt;mfrac&gt;&lt;mrow&gt;&lt;mn mathvariant=&quot;bold&quot;&gt;248324&lt;/mn&gt;&lt;mo mathvariant=&quot;bold&quot;&gt;.&lt;/mo&gt;&lt;mn mathvariant=&quot;bold&quot;&gt;17&lt;/mn&gt;&lt;/mrow&gt;&lt;mrow&gt;&lt;mi mathvariant=&quot;bold&quot;&gt;A&lt;/mi&gt;&lt;mi mathvariant=&quot;bold&quot;&gt;b&lt;/mi&gt;&lt;mi mathvariant=&quot;bold&quot;&gt;d&lt;/mi&gt;&lt;mi mathvariant=&quot;bold&quot;&gt;o&lt;/mi&gt;&lt;mi mathvariant=&quot;bold&quot;&gt;m&lt;/mi&gt;&lt;mi mathvariant=&quot;bold&quot;&gt;e&lt;/mi&gt;&lt;mi mathvariant=&quot;bold&quot;&gt;n&lt;/mi&gt;&lt;mo mathvariant=&quot;bold&quot;&gt;&amp;#xD7;&lt;/mo&gt;&lt;mi mathvariant=&quot;bold&quot;&gt;H&lt;/mi&gt;&lt;mi mathvariant=&quot;bold&quot;&gt;e&lt;/mi&gt;&lt;mi mathvariant=&quot;bold&quot;&gt;i&lt;/mi&gt;&lt;mi mathvariant=&quot;bold&quot;&gt;g&lt;/mi&gt;&lt;mi mathvariant=&quot;bold&quot;&gt;h&lt;/mi&gt;&lt;mi mathvariant=&quot;bold&quot;&gt;t&lt;/mi&gt;&lt;/mrow&gt;&lt;/mfrac&gt;&lt;mo mathvariant=&quot;bold&quot;&gt;+&lt;/mo&gt;&lt;mn mathvariant=&quot;bold&quot;&gt;15&lt;/mn&gt;&lt;mo mathvariant=&quot;bold&quot;&gt;.&lt;/mo&gt;&lt;mn mathvariant=&quot;bold&quot;&gt;97&lt;/mn&gt;&lt;mfrac&gt;&lt;mrow&gt;&lt;mi mathvariant=&quot;bold&quot;&gt;A&lt;/mi&gt;&lt;mi mathvariant=&quot;bold&quot;&gt;b&lt;/mi&gt;&lt;mi mathvariant=&quot;bold&quot;&gt;d&lt;/mi&gt;&lt;mi mathvariant=&quot;bold&quot;&gt;o&lt;/mi&gt;&lt;mi mathvariant=&quot;bold&quot;&gt;m&lt;/mi&gt;&lt;mi mathvariant=&quot;bold&quot;&gt;e&lt;/mi&gt;&lt;mi mathvariant=&quot;bold&quot;&gt;n&lt;/mi&gt;&lt;/mrow&gt;&lt;mrow&gt;&lt;mi mathvariant=&quot;bold&quot;&gt;H&lt;/mi&gt;&lt;mi mathvariant=&quot;bold&quot;&gt;e&lt;/mi&gt;&lt;mi mathvariant=&quot;bold&quot;&gt;i&lt;/mi&gt;&lt;mi mathvariant=&quot;bold&quot;&gt;g&lt;/mi&gt;&lt;mi mathvariant=&quot;bold&quot;&gt;h&lt;/mi&gt;&lt;mi mathvariant=&quot;bold&quot;&gt;t&lt;/mi&gt;&lt;/mrow&gt;&lt;/mfrac&gt;&lt;mo mathvariant=&quot;bold&quot;&gt;+&lt;/mo&gt;&lt;mfrac&gt;&lt;mrow&gt;&lt;mn mathvariant=&quot;bold&quot;&gt;4095&lt;/mn&gt;&lt;mo mathvariant=&quot;bold&quot;&gt;.&lt;/mo&gt;&lt;mn mathvariant=&quot;bold&quot;&gt;9&lt;/mn&gt;&lt;/mrow&gt;&lt;mrow&gt;&lt;mi mathvariant=&quot;bold&quot;&gt;H&lt;/mi&gt;&lt;mi mathvariant=&quot;bold&quot;&gt;e&lt;/mi&gt;&lt;mi mathvariant=&quot;bold&quot;&gt;i&lt;/mi&gt;&lt;mi mathvariant=&quot;bold&quot;&gt;g&lt;/mi&gt;&lt;mi mathvariant=&quot;bold&quot;&gt;h&lt;/mi&gt;&lt;mi mathvariant=&quot;bold&quot;&gt;t&lt;/mi&gt;&lt;/mrow&gt;&lt;/mfrac&gt;&lt;/math&gt;" id="239" name="Google Shape;239;p35" title="bold italic B bold italic o bold italic d bold italic y bold italic F bold italic a bold italic t bold space bold equals bold space bold minus bold 21 bold. bold 62 bold space bold minus bold space fraction numerator bold 248324 bold. bold 17 over denominator bold A bold b bold d bold o bold m bold e bold n bold cross times bold H bold e bold i bold g bold h bold t end fraction bold plus bold 15 bold. bold 97 fraction numerator bold A bold b bold d bold o bold m bold e bold n over denominator bold H bold e bold i bold g bold h bold t end fraction bold plus fraction numerator bold 4095 bold. bold 9 over denominator bold H bold e bold i bold g bold h bold t end fraction"/>
+          <p:cNvPr descr="&lt;math xmlns=&quot;http://www.w3.org/1998/Math/MathML&quot;&gt;&lt;mi mathvariant=&quot;bold-italic&quot;&gt;B&lt;/mi&gt;&lt;mi mathvariant=&quot;bold-italic&quot;&gt;o&lt;/mi&gt;&lt;mi mathvariant=&quot;bold-italic&quot;&gt;d&lt;/mi&gt;&lt;mi mathvariant=&quot;bold-italic&quot;&gt;y&lt;/mi&gt;&lt;mi mathvariant=&quot;bold-italic&quot;&gt;F&lt;/mi&gt;&lt;mi mathvariant=&quot;bold-italic&quot;&gt;a&lt;/mi&gt;&lt;mi mathvariant=&quot;bold-italic&quot;&gt;t&lt;/mi&gt;&lt;mo mathvariant=&quot;bold&quot;&gt;&amp;#xA0;&lt;/mo&gt;&lt;mo mathvariant=&quot;bold&quot;&gt;=&lt;/mo&gt;&lt;mo mathvariant=&quot;bold&quot;&gt;&amp;#xA0;&lt;/mo&gt;&lt;mo mathvariant=&quot;bold&quot;&gt;-&lt;/mo&gt;&lt;mn mathvariant=&quot;bold&quot;&gt;21&lt;/mn&gt;&lt;mo mathvariant=&quot;bold&quot;&gt;.&lt;/mo&gt;&lt;mn mathvariant=&quot;bold&quot;&gt;62&lt;/mn&gt;&lt;mo mathvariant=&quot;bold&quot;&gt;&amp;#xA0;&lt;/mo&gt;&lt;mo mathvariant=&quot;bold&quot;&gt;-&lt;/mo&gt;&lt;mo mathvariant=&quot;bold&quot;&gt;&amp;#xA0;&lt;/mo&gt;&lt;mfrac&gt;&lt;mrow&gt;&lt;mn mathvariant=&quot;bold&quot;&gt;248324&lt;/mn&gt;&lt;mo mathvariant=&quot;bold&quot;&gt;.&lt;/mo&gt;&lt;mn mathvariant=&quot;bold&quot;&gt;17&lt;/mn&gt;&lt;/mrow&gt;&lt;mrow&gt;&lt;mi mathvariant=&quot;bold&quot;&gt;A&lt;/mi&gt;&lt;mi mathvariant=&quot;bold&quot;&gt;b&lt;/mi&gt;&lt;mi mathvariant=&quot;bold&quot;&gt;d&lt;/mi&gt;&lt;mi mathvariant=&quot;bold&quot;&gt;o&lt;/mi&gt;&lt;mi mathvariant=&quot;bold&quot;&gt;m&lt;/mi&gt;&lt;mi mathvariant=&quot;bold&quot;&gt;e&lt;/mi&gt;&lt;mi mathvariant=&quot;bold&quot;&gt;n&lt;/mi&gt;&lt;mo mathvariant=&quot;bold&quot;&gt;&amp;#xD7;&lt;/mo&gt;&lt;mi mathvariant=&quot;bold&quot;&gt;H&lt;/mi&gt;&lt;mi mathvariant=&quot;bold&quot;&gt;e&lt;/mi&gt;&lt;mi mathvariant=&quot;bold&quot;&gt;i&lt;/mi&gt;&lt;mi mathvariant=&quot;bold&quot;&gt;g&lt;/mi&gt;&lt;mi mathvariant=&quot;bold&quot;&gt;h&lt;/mi&gt;&lt;mi mathvariant=&quot;bold&quot;&gt;t&lt;/mi&gt;&lt;/mrow&gt;&lt;/mfrac&gt;&lt;mo mathvariant=&quot;bold&quot;&gt;+&lt;/mo&gt;&lt;mn mathvariant=&quot;bold&quot;&gt;15&lt;/mn&gt;&lt;mo mathvariant=&quot;bold&quot;&gt;.&lt;/mo&gt;&lt;mn mathvariant=&quot;bold&quot;&gt;97&lt;/mn&gt;&lt;mfrac&gt;&lt;mrow&gt;&lt;mi mathvariant=&quot;bold&quot;&gt;A&lt;/mi&gt;&lt;mi mathvariant=&quot;bold&quot;&gt;b&lt;/mi&gt;&lt;mi mathvariant=&quot;bold&quot;&gt;d&lt;/mi&gt;&lt;mi mathvariant=&quot;bold&quot;&gt;o&lt;/mi&gt;&lt;mi mathvariant=&quot;bold&quot;&gt;m&lt;/mi&gt;&lt;mi mathvariant=&quot;bold&quot;&gt;e&lt;/mi&gt;&lt;mi mathvariant=&quot;bold&quot;&gt;n&lt;/mi&gt;&lt;/mrow&gt;&lt;mrow&gt;&lt;mi mathvariant=&quot;bold&quot;&gt;H&lt;/mi&gt;&lt;mi mathvariant=&quot;bold&quot;&gt;e&lt;/mi&gt;&lt;mi mathvariant=&quot;bold&quot;&gt;i&lt;/mi&gt;&lt;mi mathvariant=&quot;bold&quot;&gt;g&lt;/mi&gt;&lt;mi mathvariant=&quot;bold&quot;&gt;h&lt;/mi&gt;&lt;mi mathvariant=&quot;bold&quot;&gt;t&lt;/mi&gt;&lt;/mrow&gt;&lt;/mfrac&gt;&lt;mo mathvariant=&quot;bold&quot;&gt;+&lt;/mo&gt;&lt;mfrac&gt;&lt;mrow&gt;&lt;mn mathvariant=&quot;bold&quot;&gt;4095&lt;/mn&gt;&lt;mo mathvariant=&quot;bold&quot;&gt;.&lt;/mo&gt;&lt;mn mathvariant=&quot;bold&quot;&gt;9&lt;/mn&gt;&lt;/mrow&gt;&lt;mrow&gt;&lt;mi mathvariant=&quot;bold&quot;&gt;H&lt;/mi&gt;&lt;mi mathvariant=&quot;bold&quot;&gt;e&lt;/mi&gt;&lt;mi mathvariant=&quot;bold&quot;&gt;i&lt;/mi&gt;&lt;mi mathvariant=&quot;bold&quot;&gt;g&lt;/mi&gt;&lt;mi mathvariant=&quot;bold&quot;&gt;h&lt;/mi&gt;&lt;mi mathvariant=&quot;bold&quot;&gt;t&lt;/mi&gt;&lt;/mrow&gt;&lt;/mfrac&gt;&lt;/math&gt;" id="238" name="Google Shape;238;p35" title="bold italic B bold italic o bold italic d bold italic y bold italic F bold italic a bold italic t bold space bold equals bold space bold minus bold 21 bold. bold 62 bold space bold minus bold space fraction numerator bold 248324 bold. bold 17 over denominator bold A bold b bold d bold o bold m bold e bold n bold cross times bold H bold e bold i bold g bold h bold t end fraction bold plus bold 15 bold. bold 97 fraction numerator bold A bold b bold d bold o bold m bold e bold n over denominator bold H bold e bold i bold g bold h bold t end fraction bold plus fraction numerator bold 4095 bold. bold 9 over denominator bold H bold e bold i bold g bold h bold t end fraction"/>
           <p:cNvPicPr preferRelativeResize="0"/>
           <p:nvPr/>
         </p:nvPicPr>
@@ -14885,7 +14774,7 @@
       </p:pic>
       <p:pic>
         <p:nvPicPr>
-          <p:cNvPr descr="&lt;math xmlns=&quot;http://www.w3.org/1998/Math/MathML&quot;&gt;&lt;mi&gt;Your&lt;/mi&gt;&lt;mo&gt;&amp;#xA0;&lt;/mo&gt;&lt;mi&gt;BodyFat&lt;/mi&gt;&lt;mo&gt;&amp;#xA0;&lt;/mo&gt;&lt;mfenced&gt;&lt;mo&gt;%&lt;/mo&gt;&lt;/mfenced&gt;&lt;mo&gt;=&lt;/mo&gt;&lt;mo&gt;&amp;#xA0;&lt;/mo&gt;&lt;mo&gt;-&lt;/mo&gt;&lt;mn&gt;22&lt;/mn&gt;&lt;mo&gt;&amp;#xA0;&lt;/mo&gt;&lt;mspace linebreak=&quot;newline&quot;/&gt;&lt;mo&gt;&amp;#xA0;&lt;/mo&gt;&lt;mo&gt;&amp;#xA0;&lt;/mo&gt;&lt;mo&gt;&amp;#xA0;&lt;/mo&gt;&lt;mo&gt;&amp;#xA0;&lt;/mo&gt;&lt;mo&gt;&amp;#xA0;&lt;/mo&gt;&lt;mo&gt;&amp;#xA0;&lt;/mo&gt;&lt;mo&gt;&amp;#xA0;&lt;/mo&gt;&lt;mo&gt;&amp;#xA0;&lt;/mo&gt;&lt;mo&gt;&amp;#xA0;&lt;/mo&gt;&lt;mo&gt;&amp;#xA0;&lt;/mo&gt;&lt;mo&gt;&amp;#xA0;&lt;/mo&gt;&lt;mo&gt;&amp;#xA0;&lt;/mo&gt;&lt;mo&gt;&amp;#xA0;&lt;/mo&gt;&lt;mo&gt;&amp;#xA0;&lt;/mo&gt;&lt;mo&gt;&amp;#xA0;&lt;/mo&gt;&lt;mo&gt;&amp;#xA0;&lt;/mo&gt;&lt;mo&gt;&amp;#xA0;&lt;/mo&gt;&lt;mo&gt;&amp;#xA0;&lt;/mo&gt;&lt;mo&gt;&amp;#xA0;&lt;/mo&gt;&lt;mo&gt;&amp;#xA0;&lt;/mo&gt;&lt;mo&gt;&amp;#xA0;&lt;/mo&gt;&lt;mo&gt;&amp;#xA0;&lt;/mo&gt;&lt;mo&gt;&amp;#xA0;&lt;/mo&gt;&lt;mo&gt;&amp;#xA0;&lt;/mo&gt;&lt;mo&gt;&amp;#xA0;&lt;/mo&gt;&lt;mo&gt;&amp;#xA0;&lt;/mo&gt;&lt;mo&gt;&amp;#xA0;&lt;/mo&gt;&lt;mo&gt;&amp;#xA0;&lt;/mo&gt;&lt;mo&gt;&amp;#xA0;&lt;/mo&gt;&lt;mo&gt;&amp;#xA0;&lt;/mo&gt;&lt;mo&gt;&amp;#xA0;&lt;/mo&gt;&lt;mo&gt;&amp;#xA0;&lt;/mo&gt;&lt;mo&gt;&amp;#xA0;&lt;/mo&gt;&lt;mo&gt;&amp;#xA0;&lt;/mo&gt;&lt;mo&gt;-&lt;/mo&gt;&lt;mfrac&gt;&lt;mn&gt;24000&lt;/mn&gt;&lt;mrow&gt;&lt;mi&gt;Your&lt;/mi&gt;&lt;mo&gt;&amp;#xA0;&lt;/mo&gt;&lt;mi&gt;Abdomen&lt;/mi&gt;&lt;mo&gt;&amp;#xA0;&lt;/mo&gt;&lt;mi&gt;circumference&lt;/mi&gt;&lt;mo&gt;&amp;#xA0;&lt;/mo&gt;&lt;mfenced&gt;&lt;mi&gt;cm&lt;/mi&gt;&lt;/mfenced&gt;&lt;mo&gt;&amp;#xA0;&lt;/mo&gt;&lt;mo&gt;&amp;#xD7;&lt;/mo&gt;&lt;mi&gt;Your&lt;/mi&gt;&lt;mo&gt;&amp;#xA0;&lt;/mo&gt;&lt;mi&gt;Height&lt;/mi&gt;&lt;mo&gt;&amp;#xA0;&lt;/mo&gt;&lt;mfenced&gt;&lt;mi&gt;inches&lt;/mi&gt;&lt;/mfenced&gt;&lt;/mrow&gt;&lt;/mfrac&gt;&lt;mspace linebreak=&quot;newline&quot;/&gt;&lt;mo&gt;&amp;#xA0;&lt;/mo&gt;&lt;mo&gt;&amp;#xA0;&lt;/mo&gt;&lt;mo&gt;&amp;#xA0;&lt;/mo&gt;&lt;mo&gt;&amp;#xA0;&lt;/mo&gt;&lt;mo&gt;&amp;#xA0;&lt;/mo&gt;&lt;mo&gt;&amp;#xA0;&lt;/mo&gt;&lt;mo&gt;&amp;#xA0;&lt;/mo&gt;&lt;mo&gt;&amp;#xA0;&lt;/mo&gt;&lt;mo&gt;&amp;#xA0;&lt;/mo&gt;&lt;mo&gt;&amp;#xA0;&lt;/mo&gt;&lt;mo&gt;&amp;#xA0;&lt;/mo&gt;&lt;mo&gt;&amp;#xA0;&lt;/mo&gt;&lt;mo&gt;&amp;#xA0;&lt;/mo&gt;&lt;mo&gt;&amp;#xA0;&lt;/mo&gt;&lt;mo&gt;&amp;#xA0;&lt;/mo&gt;&lt;mo&gt;&amp;#xA0;&lt;/mo&gt;&lt;mo&gt;&amp;#xA0;&lt;/mo&gt;&lt;mo&gt;&amp;#xA0;&lt;/mo&gt;&lt;mo&gt;&amp;#xA0;&lt;/mo&gt;&lt;mo&gt;&amp;#xA0;&lt;/mo&gt;&lt;mo&gt;&amp;#xA0;&lt;/mo&gt;&lt;mo&gt;&amp;#xA0;&lt;/mo&gt;&lt;mo&gt;&amp;#xA0;&lt;/mo&gt;&lt;mo&gt;&amp;#xA0;&lt;/mo&gt;&lt;mo&gt;&amp;#xA0;&lt;/mo&gt;&lt;mo&gt;&amp;#xA0;&lt;/mo&gt;&lt;mo&gt;&amp;#xA0;&lt;/mo&gt;&lt;mo&gt;&amp;#xA0;&lt;/mo&gt;&lt;mo&gt;&amp;#xA0;&lt;/mo&gt;&lt;mo&gt;&amp;#xA0;&lt;/mo&gt;&lt;mo&gt;&amp;#xA0;&lt;/mo&gt;&lt;mo&gt;&amp;#xA0;&lt;/mo&gt;&lt;mo&gt;&amp;#xA0;&lt;/mo&gt;&lt;mo&gt;&amp;#xA0;&lt;/mo&gt;&lt;mo&gt;+&lt;/mo&gt;&lt;mn&gt;16&lt;/mn&gt;&lt;mfrac&gt;&lt;mrow&gt;&lt;mi&gt;Your&lt;/mi&gt;&lt;mo&gt;&amp;#xA0;&lt;/mo&gt;&lt;mi&gt;Abdomen&lt;/mi&gt;&lt;mo&gt;&amp;#xA0;&lt;/mo&gt;&lt;mi&gt;circumference&lt;/mi&gt;&lt;mo&gt;&amp;#xA0;&lt;/mo&gt;&lt;mfenced&gt;&lt;mi&gt;cm&lt;/mi&gt;&lt;/mfenced&gt;&lt;mo&gt;&amp;#xA0;&lt;/mo&gt;&lt;/mrow&gt;&lt;mrow&gt;&lt;mi&gt;Your&lt;/mi&gt;&lt;mo&gt;&amp;#xA0;&lt;/mo&gt;&lt;mi&gt;Height&lt;/mi&gt;&lt;mo&gt;&amp;#xA0;&lt;/mo&gt;&lt;mfenced&gt;&lt;mi&gt;inches&lt;/mi&gt;&lt;/mfenced&gt;&lt;/mrow&gt;&lt;/mfrac&gt;&lt;mspace linebreak=&quot;newline&quot;/&gt;&lt;mo&gt;&amp;#xA0;&lt;/mo&gt;&lt;mo&gt;&amp;#xA0;&lt;/mo&gt;&lt;mo&gt;&amp;#xA0;&lt;/mo&gt;&lt;mo&gt;&amp;#xA0;&lt;/mo&gt;&lt;mo&gt;&amp;#xA0;&lt;/mo&gt;&lt;mo&gt;&amp;#xA0;&lt;/mo&gt;&lt;mo&gt;&amp;#xA0;&lt;/mo&gt;&lt;mo&gt;&amp;#xA0;&lt;/mo&gt;&lt;mo&gt;&amp;#xA0;&lt;/mo&gt;&lt;mo&gt;&amp;#xA0;&lt;/mo&gt;&lt;mo&gt;&amp;#xA0;&lt;/mo&gt;&lt;mo&gt;&amp;#xA0;&lt;/mo&gt;&lt;mo&gt;&amp;#xA0;&lt;/mo&gt;&lt;mo&gt;&amp;#xA0;&lt;/mo&gt;&lt;mo&gt;&amp;#xA0;&lt;/mo&gt;&lt;mo&gt;&amp;#xA0;&lt;/mo&gt;&lt;mo&gt;&amp;#xA0;&lt;/mo&gt;&lt;mo&gt;&amp;#xA0;&lt;/mo&gt;&lt;mo&gt;&amp;#xA0;&lt;/mo&gt;&lt;mo&gt;&amp;#xA0;&lt;/mo&gt;&lt;mo&gt;&amp;#xA0;&lt;/mo&gt;&lt;mo&gt;&amp;#xA0;&lt;/mo&gt;&lt;mo&gt;&amp;#xA0;&lt;/mo&gt;&lt;mo&gt;&amp;#xA0;&lt;/mo&gt;&lt;mo&gt;&amp;#xA0;&lt;/mo&gt;&lt;mo&gt;&amp;#xA0;&lt;/mo&gt;&lt;mo&gt;&amp;#xA0;&lt;/mo&gt;&lt;mo&gt;&amp;#xA0;&lt;/mo&gt;&lt;mo&gt;&amp;#xA0;&lt;/mo&gt;&lt;mo&gt;&amp;#xA0;&lt;/mo&gt;&lt;mo&gt;&amp;#xA0;&lt;/mo&gt;&lt;mo&gt;&amp;#xA0;&lt;/mo&gt;&lt;mo&gt;&amp;#xA0;&lt;/mo&gt;&lt;mo&gt;&amp;#xA0;&lt;/mo&gt;&lt;mo&gt;+&lt;/mo&gt;&lt;mfrac&gt;&lt;mn&gt;4100&lt;/mn&gt;&lt;mrow&gt;&lt;mi&gt;Your&lt;/mi&gt;&lt;mo&gt;&amp;#xA0;&lt;/mo&gt;&lt;mi&gt;Height&lt;/mi&gt;&lt;mo&gt;&amp;#xA0;&lt;/mo&gt;&lt;mfenced&gt;&lt;mi&gt;inches&lt;/mi&gt;&lt;/mfenced&gt;&lt;/mrow&gt;&lt;/mfrac&gt;&lt;mspace linebreak=&quot;newline&quot;/&gt;&lt;mspace linebreak=&quot;newline&quot;/&gt;&lt;mspace linebreak=&quot;newline&quot;/&gt;&lt;mo&gt;&amp;#xA0;&lt;/mo&gt;&lt;/math&gt;" id="240" name="Google Shape;240;p35" title="Your space BodyFat space open parentheses percent sign close parentheses equals space minus 22 space&#10;space space space space space space space space space space space space space space space space space space space space space space space space space space space space space space space space space space minus fraction numerator 24000 over denominator Your space Abdomen space circumference space open parentheses cm close parentheses space cross times Your space Height space open parentheses inches close parentheses end fraction&#10;space space space space space space space space space space space space space space space space space space space space space space space space space space space space space space space space space space plus 16 fraction numerator Your space Abdomen space circumference space open parentheses cm close parentheses space over denominator Your space Height space open parentheses inches close parentheses end fraction&#10;space space space space space space space space space space space space space space space space space space space space space space space space space space space space space space space space space space plus fraction numerator 4100 over denominator Your space Height space open parentheses inches close parentheses end fraction&#10;&#10;&#10;space"/>
+          <p:cNvPr descr="&lt;math xmlns=&quot;http://www.w3.org/1998/Math/MathML&quot;&gt;&lt;mi&gt;Your&lt;/mi&gt;&lt;mo&gt;&amp;#xA0;&lt;/mo&gt;&lt;mi&gt;BodyFat&lt;/mi&gt;&lt;mo&gt;&amp;#xA0;&lt;/mo&gt;&lt;mfenced&gt;&lt;mo&gt;%&lt;/mo&gt;&lt;/mfenced&gt;&lt;mo&gt;=&lt;/mo&gt;&lt;mo&gt;&amp;#xA0;&lt;/mo&gt;&lt;mo&gt;-&lt;/mo&gt;&lt;mn&gt;22&lt;/mn&gt;&lt;mo&gt;&amp;#xA0;&lt;/mo&gt;&lt;mspace linebreak=&quot;newline&quot;/&gt;&lt;mo&gt;&amp;#xA0;&lt;/mo&gt;&lt;mo&gt;&amp;#xA0;&lt;/mo&gt;&lt;mo&gt;&amp;#xA0;&lt;/mo&gt;&lt;mo&gt;&amp;#xA0;&lt;/mo&gt;&lt;mo&gt;&amp;#xA0;&lt;/mo&gt;&lt;mo&gt;&amp;#xA0;&lt;/mo&gt;&lt;mo&gt;&amp;#xA0;&lt;/mo&gt;&lt;mo&gt;&amp;#xA0;&lt;/mo&gt;&lt;mo&gt;&amp;#xA0;&lt;/mo&gt;&lt;mo&gt;&amp;#xA0;&lt;/mo&gt;&lt;mo&gt;&amp;#xA0;&lt;/mo&gt;&lt;mo&gt;&amp;#xA0;&lt;/mo&gt;&lt;mo&gt;&amp;#xA0;&lt;/mo&gt;&lt;mo&gt;&amp;#xA0;&lt;/mo&gt;&lt;mo&gt;&amp;#xA0;&lt;/mo&gt;&lt;mo&gt;&amp;#xA0;&lt;/mo&gt;&lt;mo&gt;&amp;#xA0;&lt;/mo&gt;&lt;mo&gt;&amp;#xA0;&lt;/mo&gt;&lt;mo&gt;&amp;#xA0;&lt;/mo&gt;&lt;mo&gt;&amp;#xA0;&lt;/mo&gt;&lt;mo&gt;&amp;#xA0;&lt;/mo&gt;&lt;mo&gt;&amp;#xA0;&lt;/mo&gt;&lt;mo&gt;&amp;#xA0;&lt;/mo&gt;&lt;mo&gt;&amp;#xA0;&lt;/mo&gt;&lt;mo&gt;&amp;#xA0;&lt;/mo&gt;&lt;mo&gt;&amp;#xA0;&lt;/mo&gt;&lt;mo&gt;&amp;#xA0;&lt;/mo&gt;&lt;mo&gt;&amp;#xA0;&lt;/mo&gt;&lt;mo&gt;&amp;#xA0;&lt;/mo&gt;&lt;mo&gt;&amp;#xA0;&lt;/mo&gt;&lt;mo&gt;&amp;#xA0;&lt;/mo&gt;&lt;mo&gt;&amp;#xA0;&lt;/mo&gt;&lt;mo&gt;&amp;#xA0;&lt;/mo&gt;&lt;mo&gt;&amp;#xA0;&lt;/mo&gt;&lt;mo&gt;-&lt;/mo&gt;&lt;mfrac&gt;&lt;mn&gt;24000&lt;/mn&gt;&lt;mrow&gt;&lt;mi&gt;Your&lt;/mi&gt;&lt;mo&gt;&amp;#xA0;&lt;/mo&gt;&lt;mi&gt;Abdomen&lt;/mi&gt;&lt;mo&gt;&amp;#xA0;&lt;/mo&gt;&lt;mi&gt;circumference&lt;/mi&gt;&lt;mo&gt;&amp;#xA0;&lt;/mo&gt;&lt;mfenced&gt;&lt;mi&gt;cm&lt;/mi&gt;&lt;/mfenced&gt;&lt;mo&gt;&amp;#xA0;&lt;/mo&gt;&lt;mo&gt;&amp;#xD7;&lt;/mo&gt;&lt;mi&gt;Your&lt;/mi&gt;&lt;mo&gt;&amp;#xA0;&lt;/mo&gt;&lt;mi&gt;Height&lt;/mi&gt;&lt;mo&gt;&amp;#xA0;&lt;/mo&gt;&lt;mfenced&gt;&lt;mi&gt;inches&lt;/mi&gt;&lt;/mfenced&gt;&lt;/mrow&gt;&lt;/mfrac&gt;&lt;mspace linebreak=&quot;newline&quot;/&gt;&lt;mo&gt;&amp;#xA0;&lt;/mo&gt;&lt;mo&gt;&amp;#xA0;&lt;/mo&gt;&lt;mo&gt;&amp;#xA0;&lt;/mo&gt;&lt;mo&gt;&amp;#xA0;&lt;/mo&gt;&lt;mo&gt;&amp;#xA0;&lt;/mo&gt;&lt;mo&gt;&amp;#xA0;&lt;/mo&gt;&lt;mo&gt;&amp;#xA0;&lt;/mo&gt;&lt;mo&gt;&amp;#xA0;&lt;/mo&gt;&lt;mo&gt;&amp;#xA0;&lt;/mo&gt;&lt;mo&gt;&amp;#xA0;&lt;/mo&gt;&lt;mo&gt;&amp;#xA0;&lt;/mo&gt;&lt;mo&gt;&amp;#xA0;&lt;/mo&gt;&lt;mo&gt;&amp;#xA0;&lt;/mo&gt;&lt;mo&gt;&amp;#xA0;&lt;/mo&gt;&lt;mo&gt;&amp;#xA0;&lt;/mo&gt;&lt;mo&gt;&amp;#xA0;&lt;/mo&gt;&lt;mo&gt;&amp;#xA0;&lt;/mo&gt;&lt;mo&gt;&amp;#xA0;&lt;/mo&gt;&lt;mo&gt;&amp;#xA0;&lt;/mo&gt;&lt;mo&gt;&amp;#xA0;&lt;/mo&gt;&lt;mo&gt;&amp;#xA0;&lt;/mo&gt;&lt;mo&gt;&amp;#xA0;&lt;/mo&gt;&lt;mo&gt;&amp;#xA0;&lt;/mo&gt;&lt;mo&gt;&amp;#xA0;&lt;/mo&gt;&lt;mo&gt;&amp;#xA0;&lt;/mo&gt;&lt;mo&gt;&amp;#xA0;&lt;/mo&gt;&lt;mo&gt;&amp;#xA0;&lt;/mo&gt;&lt;mo&gt;&amp;#xA0;&lt;/mo&gt;&lt;mo&gt;&amp;#xA0;&lt;/mo&gt;&lt;mo&gt;&amp;#xA0;&lt;/mo&gt;&lt;mo&gt;&amp;#xA0;&lt;/mo&gt;&lt;mo&gt;&amp;#xA0;&lt;/mo&gt;&lt;mo&gt;&amp;#xA0;&lt;/mo&gt;&lt;mo&gt;&amp;#xA0;&lt;/mo&gt;&lt;mo&gt;+&lt;/mo&gt;&lt;mn&gt;16&lt;/mn&gt;&lt;mfrac&gt;&lt;mrow&gt;&lt;mi&gt;Your&lt;/mi&gt;&lt;mo&gt;&amp;#xA0;&lt;/mo&gt;&lt;mi&gt;Abdomen&lt;/mi&gt;&lt;mo&gt;&amp;#xA0;&lt;/mo&gt;&lt;mi&gt;circumference&lt;/mi&gt;&lt;mo&gt;&amp;#xA0;&lt;/mo&gt;&lt;mfenced&gt;&lt;mi&gt;cm&lt;/mi&gt;&lt;/mfenced&gt;&lt;mo&gt;&amp;#xA0;&lt;/mo&gt;&lt;/mrow&gt;&lt;mrow&gt;&lt;mi&gt;Your&lt;/mi&gt;&lt;mo&gt;&amp;#xA0;&lt;/mo&gt;&lt;mi&gt;Height&lt;/mi&gt;&lt;mo&gt;&amp;#xA0;&lt;/mo&gt;&lt;mfenced&gt;&lt;mi&gt;inches&lt;/mi&gt;&lt;/mfenced&gt;&lt;/mrow&gt;&lt;/mfrac&gt;&lt;mspace linebreak=&quot;newline&quot;/&gt;&lt;mo&gt;&amp;#xA0;&lt;/mo&gt;&lt;mo&gt;&amp;#xA0;&lt;/mo&gt;&lt;mo&gt;&amp;#xA0;&lt;/mo&gt;&lt;mo&gt;&amp;#xA0;&lt;/mo&gt;&lt;mo&gt;&amp;#xA0;&lt;/mo&gt;&lt;mo&gt;&amp;#xA0;&lt;/mo&gt;&lt;mo&gt;&amp;#xA0;&lt;/mo&gt;&lt;mo&gt;&amp;#xA0;&lt;/mo&gt;&lt;mo&gt;&amp;#xA0;&lt;/mo&gt;&lt;mo&gt;&amp;#xA0;&lt;/mo&gt;&lt;mo&gt;&amp;#xA0;&lt;/mo&gt;&lt;mo&gt;&amp;#xA0;&lt;/mo&gt;&lt;mo&gt;&amp;#xA0;&lt;/mo&gt;&lt;mo&gt;&amp;#xA0;&lt;/mo&gt;&lt;mo&gt;&amp;#xA0;&lt;/mo&gt;&lt;mo&gt;&amp;#xA0;&lt;/mo&gt;&lt;mo&gt;&amp;#xA0;&lt;/mo&gt;&lt;mo&gt;&amp;#xA0;&lt;/mo&gt;&lt;mo&gt;&amp;#xA0;&lt;/mo&gt;&lt;mo&gt;&amp;#xA0;&lt;/mo&gt;&lt;mo&gt;&amp;#xA0;&lt;/mo&gt;&lt;mo&gt;&amp;#xA0;&lt;/mo&gt;&lt;mo&gt;&amp;#xA0;&lt;/mo&gt;&lt;mo&gt;&amp;#xA0;&lt;/mo&gt;&lt;mo&gt;&amp;#xA0;&lt;/mo&gt;&lt;mo&gt;&amp;#xA0;&lt;/mo&gt;&lt;mo&gt;&amp;#xA0;&lt;/mo&gt;&lt;mo&gt;&amp;#xA0;&lt;/mo&gt;&lt;mo&gt;&amp;#xA0;&lt;/mo&gt;&lt;mo&gt;&amp;#xA0;&lt;/mo&gt;&lt;mo&gt;&amp;#xA0;&lt;/mo&gt;&lt;mo&gt;&amp;#xA0;&lt;/mo&gt;&lt;mo&gt;&amp;#xA0;&lt;/mo&gt;&lt;mo&gt;&amp;#xA0;&lt;/mo&gt;&lt;mo&gt;+&lt;/mo&gt;&lt;mfrac&gt;&lt;mn&gt;4100&lt;/mn&gt;&lt;mrow&gt;&lt;mi&gt;Your&lt;/mi&gt;&lt;mo&gt;&amp;#xA0;&lt;/mo&gt;&lt;mi&gt;Height&lt;/mi&gt;&lt;mo&gt;&amp;#xA0;&lt;/mo&gt;&lt;mfenced&gt;&lt;mi&gt;inches&lt;/mi&gt;&lt;/mfenced&gt;&lt;/mrow&gt;&lt;/mfrac&gt;&lt;mspace linebreak=&quot;newline&quot;/&gt;&lt;mspace linebreak=&quot;newline&quot;/&gt;&lt;mspace linebreak=&quot;newline&quot;/&gt;&lt;mo&gt;&amp;#xA0;&lt;/mo&gt;&lt;/math&gt;" id="239" name="Google Shape;239;p35" title="Your space BodyFat space open parentheses percent sign close parentheses equals space minus 22 space&#10;space space space space space space space space space space space space space space space space space space space space space space space space space space space space space space space space space space minus fraction numerator 24000 over denominator Your space Abdomen space circumference space open parentheses cm close parentheses space cross times Your space Height space open parentheses inches close parentheses end fraction&#10;space space space space space space space space space space space space space space space space space space space space space space space space space space space space space space space space space space plus 16 fraction numerator Your space Abdomen space circumference space open parentheses cm close parentheses space over denominator Your space Height space open parentheses inches close parentheses end fraction&#10;space space space space space space space space space space space space space space space space space space space space space space space space space space space space space space space space space space plus fraction numerator 4100 over denominator Your space Height space open parentheses inches close parentheses end fraction&#10;&#10;&#10;space"/>
           <p:cNvPicPr preferRelativeResize="0"/>
           <p:nvPr/>
         </p:nvPicPr>
@@ -14924,7 +14813,7 @@
   <p:cSld>
     <p:spTree>
       <p:nvGrpSpPr>
-        <p:cNvPr id="244" name="Shape 244"/>
+        <p:cNvPr id="243" name="Shape 243"/>
         <p:cNvGrpSpPr/>
         <p:nvPr/>
       </p:nvGrpSpPr>
@@ -14938,7 +14827,7 @@
       </p:grpSpPr>
       <p:pic>
         <p:nvPicPr>
-          <p:cNvPr id="245" name="Google Shape;245;p36"/>
+          <p:cNvPr id="244" name="Google Shape;244;p36"/>
           <p:cNvPicPr preferRelativeResize="0"/>
           <p:nvPr/>
         </p:nvPicPr>
@@ -14977,7 +14866,7 @@
   <p:cSld>
     <p:spTree>
       <p:nvGrpSpPr>
-        <p:cNvPr id="249" name="Shape 249"/>
+        <p:cNvPr id="248" name="Shape 248"/>
         <p:cNvGrpSpPr/>
         <p:nvPr/>
       </p:nvGrpSpPr>
@@ -14991,7 +14880,7 @@
       </p:grpSpPr>
       <p:sp>
         <p:nvSpPr>
-          <p:cNvPr id="250" name="Google Shape;250;p37"/>
+          <p:cNvPr id="249" name="Google Shape;249;p37"/>
           <p:cNvSpPr txBox="1"/>
           <p:nvPr>
             <p:ph idx="4294967295" type="ctrTitle"/>
@@ -15061,7 +14950,7 @@
       </p:sp>
       <p:sp>
         <p:nvSpPr>
-          <p:cNvPr id="251" name="Google Shape;251;p37"/>
+          <p:cNvPr id="250" name="Google Shape;250;p37"/>
           <p:cNvSpPr txBox="1"/>
           <p:nvPr>
             <p:ph type="title"/>
@@ -15117,7 +15006,7 @@
       </p:sp>
       <p:sp>
         <p:nvSpPr>
-          <p:cNvPr id="252" name="Google Shape;252;p37"/>
+          <p:cNvPr id="251" name="Google Shape;251;p37"/>
           <p:cNvSpPr txBox="1"/>
           <p:nvPr>
             <p:ph type="title"/>
@@ -15245,7 +15134,7 @@
       </p:sp>
       <p:sp>
         <p:nvSpPr>
-          <p:cNvPr id="253" name="Google Shape;253;p37"/>
+          <p:cNvPr id="252" name="Google Shape;252;p37"/>
           <p:cNvSpPr txBox="1"/>
           <p:nvPr>
             <p:ph type="title"/>
@@ -15301,7 +15190,7 @@
       </p:sp>
       <p:sp>
         <p:nvSpPr>
-          <p:cNvPr id="254" name="Google Shape;254;p37"/>
+          <p:cNvPr id="253" name="Google Shape;253;p37"/>
           <p:cNvSpPr txBox="1"/>
           <p:nvPr/>
         </p:nvSpPr>
@@ -15496,7 +15385,7 @@
   <p:cSld>
     <p:spTree>
       <p:nvGrpSpPr>
-        <p:cNvPr id="258" name="Shape 258"/>
+        <p:cNvPr id="257" name="Shape 257"/>
         <p:cNvGrpSpPr/>
         <p:nvPr/>
       </p:nvGrpSpPr>
@@ -15510,7 +15399,7 @@
       </p:grpSpPr>
       <p:pic>
         <p:nvPicPr>
-          <p:cNvPr id="259" name="Google Shape;259;p38"/>
+          <p:cNvPr id="258" name="Google Shape;258;p38"/>
           <p:cNvPicPr preferRelativeResize="0"/>
           <p:nvPr/>
         </p:nvPicPr>
@@ -15549,7 +15438,7 @@
   <p:cSld>
     <p:spTree>
       <p:nvGrpSpPr>
-        <p:cNvPr id="263" name="Shape 263"/>
+        <p:cNvPr id="262" name="Shape 262"/>
         <p:cNvGrpSpPr/>
         <p:nvPr/>
       </p:nvGrpSpPr>
@@ -15563,7 +15452,7 @@
       </p:grpSpPr>
       <p:sp>
         <p:nvSpPr>
-          <p:cNvPr id="264" name="Google Shape;264;p39"/>
+          <p:cNvPr id="263" name="Google Shape;263;p39"/>
           <p:cNvSpPr txBox="1"/>
           <p:nvPr>
             <p:ph type="ctrTitle"/>
@@ -15624,7 +15513,7 @@
   <p:cSld>
     <p:spTree>
       <p:nvGrpSpPr>
-        <p:cNvPr id="268" name="Shape 268"/>
+        <p:cNvPr id="267" name="Shape 267"/>
         <p:cNvGrpSpPr/>
         <p:nvPr/>
       </p:nvGrpSpPr>
@@ -15638,7 +15527,7 @@
       </p:grpSpPr>
       <p:sp>
         <p:nvSpPr>
-          <p:cNvPr id="269" name="Google Shape;269;p40"/>
+          <p:cNvPr id="268" name="Google Shape;268;p40"/>
           <p:cNvSpPr txBox="1"/>
           <p:nvPr>
             <p:ph type="title"/>
@@ -15688,7 +15577,7 @@
       </p:sp>
       <p:pic>
         <p:nvPicPr>
-          <p:cNvPr id="270" name="Google Shape;270;p40"/>
+          <p:cNvPr id="269" name="Google Shape;269;p40"/>
           <p:cNvPicPr preferRelativeResize="0"/>
           <p:nvPr/>
         </p:nvPicPr>
@@ -15726,7 +15615,7 @@
   <p:cSld>
     <p:spTree>
       <p:nvGrpSpPr>
-        <p:cNvPr id="274" name="Shape 274"/>
+        <p:cNvPr id="273" name="Shape 273"/>
         <p:cNvGrpSpPr/>
         <p:nvPr/>
       </p:nvGrpSpPr>
@@ -15740,7 +15629,7 @@
       </p:grpSpPr>
       <p:pic>
         <p:nvPicPr>
-          <p:cNvPr id="275" name="Google Shape;275;p41"/>
+          <p:cNvPr id="274" name="Google Shape;274;p41"/>
           <p:cNvPicPr preferRelativeResize="0"/>
           <p:nvPr/>
         </p:nvPicPr>
@@ -15940,7 +15829,7 @@
             <a:tbl>
               <a:tblPr>
                 <a:noFill/>
-                <a:tableStyleId>{7CD9A5FF-9ECF-48FD-B34D-AB7C0F43B602}</a:tableStyleId>
+                <a:tableStyleId>{11761AE5-05CD-46F6-AD92-C94F25BD8CBA}</a:tableStyleId>
               </a:tblPr>
               <a:tblGrid>
                 <a:gridCol w="1350550"/>
@@ -16570,7 +16459,7 @@
   <p:cSld>
     <p:spTree>
       <p:nvGrpSpPr>
-        <p:cNvPr id="279" name="Shape 279"/>
+        <p:cNvPr id="278" name="Shape 278"/>
         <p:cNvGrpSpPr/>
         <p:nvPr/>
       </p:nvGrpSpPr>
@@ -16584,7 +16473,7 @@
       </p:grpSpPr>
       <p:pic>
         <p:nvPicPr>
-          <p:cNvPr id="280" name="Google Shape;280;p42"/>
+          <p:cNvPr id="279" name="Google Shape;279;p42"/>
           <p:cNvPicPr preferRelativeResize="0"/>
           <p:nvPr/>
         </p:nvPicPr>
@@ -16623,7 +16512,7 @@
   <p:cSld>
     <p:spTree>
       <p:nvGrpSpPr>
-        <p:cNvPr id="284" name="Shape 284"/>
+        <p:cNvPr id="283" name="Shape 283"/>
         <p:cNvGrpSpPr/>
         <p:nvPr/>
       </p:nvGrpSpPr>
@@ -16637,7 +16526,7 @@
       </p:grpSpPr>
       <p:pic>
         <p:nvPicPr>
-          <p:cNvPr id="285" name="Google Shape;285;p43"/>
+          <p:cNvPr id="284" name="Google Shape;284;p43"/>
           <p:cNvPicPr preferRelativeResize="0"/>
           <p:nvPr/>
         </p:nvPicPr>
@@ -16675,7 +16564,7 @@
   <p:cSld>
     <p:spTree>
       <p:nvGrpSpPr>
-        <p:cNvPr id="289" name="Shape 289"/>
+        <p:cNvPr id="288" name="Shape 288"/>
         <p:cNvGrpSpPr/>
         <p:nvPr/>
       </p:nvGrpSpPr>
@@ -16689,7 +16578,7 @@
       </p:grpSpPr>
       <p:sp>
         <p:nvSpPr>
-          <p:cNvPr id="290" name="Google Shape;290;p44"/>
+          <p:cNvPr id="289" name="Google Shape;289;p44"/>
           <p:cNvSpPr txBox="1"/>
           <p:nvPr>
             <p:ph type="ctrTitle"/>
@@ -16739,7 +16628,7 @@
       </p:sp>
       <p:sp>
         <p:nvSpPr>
-          <p:cNvPr id="291" name="Google Shape;291;p44"/>
+          <p:cNvPr id="290" name="Google Shape;290;p44"/>
           <p:cNvSpPr txBox="1"/>
           <p:nvPr/>
         </p:nvSpPr>
@@ -16912,7 +16801,7 @@
   <p:cSld>
     <p:spTree>
       <p:nvGrpSpPr>
-        <p:cNvPr id="295" name="Shape 295"/>
+        <p:cNvPr id="294" name="Shape 294"/>
         <p:cNvGrpSpPr/>
         <p:nvPr/>
       </p:nvGrpSpPr>
@@ -16926,7 +16815,7 @@
       </p:grpSpPr>
       <p:sp>
         <p:nvSpPr>
-          <p:cNvPr id="296" name="Google Shape;296;p45"/>
+          <p:cNvPr id="295" name="Google Shape;295;p45"/>
           <p:cNvSpPr txBox="1"/>
           <p:nvPr>
             <p:ph type="ctrTitle"/>
@@ -17517,7 +17406,7 @@
             <a:tbl>
               <a:tblPr>
                 <a:noFill/>
-                <a:tableStyleId>{7CD9A5FF-9ECF-48FD-B34D-AB7C0F43B602}</a:tableStyleId>
+                <a:tableStyleId>{11761AE5-05CD-46F6-AD92-C94F25BD8CBA}</a:tableStyleId>
               </a:tblPr>
               <a:tblGrid>
                 <a:gridCol w="665800"/>
@@ -18915,6 +18804,285 @@
 </file>
 
 <file path=ppt/theme/theme1.xml><?xml version="1.0" encoding="utf-8"?>
+<a:theme xmlns:a="http://schemas.openxmlformats.org/drawingml/2006/main" xmlns:r="http://schemas.openxmlformats.org/officeDocument/2006/relationships">
+  <a:themeElements>
+    <a:clrScheme name="Default">
+      <a:dk1>
+        <a:srgbClr val="000000"/>
+      </a:dk1>
+      <a:lt1>
+        <a:srgbClr val="FFFFFF"/>
+      </a:lt1>
+      <a:dk2>
+        <a:srgbClr val="158158"/>
+      </a:dk2>
+      <a:lt2>
+        <a:srgbClr val="F3F3F3"/>
+      </a:lt2>
+      <a:accent1>
+        <a:srgbClr val="058DC7"/>
+      </a:accent1>
+      <a:accent2>
+        <a:srgbClr val="50B432"/>
+      </a:accent2>
+      <a:accent3>
+        <a:srgbClr val="ED561B"/>
+      </a:accent3>
+      <a:accent4>
+        <a:srgbClr val="EDEF00"/>
+      </a:accent4>
+      <a:accent5>
+        <a:srgbClr val="24CBE5"/>
+      </a:accent5>
+      <a:accent6>
+        <a:srgbClr val="64E572"/>
+      </a:accent6>
+      <a:hlink>
+        <a:srgbClr val="2200CC"/>
+      </a:hlink>
+      <a:folHlink>
+        <a:srgbClr val="551A8B"/>
+      </a:folHlink>
+    </a:clrScheme>
+    <a:fontScheme name="Office">
+      <a:majorFont>
+        <a:latin typeface="Arial"/>
+        <a:ea typeface=""/>
+        <a:cs typeface=""/>
+        <a:font script="Jpan" typeface="ＭＳ Ｐゴシック"/>
+        <a:font script="Hang" typeface="맑은 고딕"/>
+        <a:font script="Hans" typeface="宋体"/>
+        <a:font script="Hant" typeface="新細明體"/>
+        <a:font script="Arab" typeface="Times New Roman"/>
+        <a:font script="Hebr" typeface="Times New Roman"/>
+        <a:font script="Thai" typeface="Angsana New"/>
+        <a:font script="Ethi" typeface="Nyala"/>
+        <a:font script="Beng" typeface="Vrinda"/>
+        <a:font script="Gujr" typeface="Shruti"/>
+        <a:font script="Khmr" typeface="MoolBoran"/>
+        <a:font script="Knda" typeface="Tunga"/>
+        <a:font script="Guru" typeface="Raavi"/>
+        <a:font script="Cans" typeface="Euphemia"/>
+        <a:font script="Cher" typeface="Plantagenet Cherokee"/>
+        <a:font script="Yiii" typeface="Microsoft Yi Baiti"/>
+        <a:font script="Tibt" typeface="Microsoft Himalaya"/>
+        <a:font script="Thaa" typeface="MV Boli"/>
+        <a:font script="Deva" typeface="Mangal"/>
+        <a:font script="Telu" typeface="Gautami"/>
+        <a:font script="Taml" typeface="Latha"/>
+        <a:font script="Syrc" typeface="Estrangelo Edessa"/>
+        <a:font script="Orya" typeface="Kalinga"/>
+        <a:font script="Mlym" typeface="Kartika"/>
+        <a:font script="Laoo" typeface="DokChampa"/>
+        <a:font script="Sinh" typeface="Iskoola Pota"/>
+        <a:font script="Mong" typeface="Mongolian Baiti"/>
+        <a:font script="Viet" typeface="Times New Roman"/>
+        <a:font script="Uigh" typeface="Microsoft Uighur"/>
+        <a:font script="Geor" typeface="Sylfaen"/>
+      </a:majorFont>
+      <a:minorFont>
+        <a:latin typeface="Arial"/>
+        <a:ea typeface=""/>
+        <a:cs typeface=""/>
+        <a:font script="Jpan" typeface="ＭＳ Ｐゴシック"/>
+        <a:font script="Hang" typeface="맑은 고딕"/>
+        <a:font script="Hans" typeface="宋体"/>
+        <a:font script="Hant" typeface="新細明體"/>
+        <a:font script="Arab" typeface="Arial"/>
+        <a:font script="Hebr" typeface="Arial"/>
+        <a:font script="Thai" typeface="Cordia New"/>
+        <a:font script="Ethi" typeface="Nyala"/>
+        <a:font script="Beng" typeface="Vrinda"/>
+        <a:font script="Gujr" typeface="Shruti"/>
+        <a:font script="Khmr" typeface="DaunPenh"/>
+        <a:font script="Knda" typeface="Tunga"/>
+        <a:font script="Guru" typeface="Raavi"/>
+        <a:font script="Cans" typeface="Euphemia"/>
+        <a:font script="Cher" typeface="Plantagenet Cherokee"/>
+        <a:font script="Yiii" typeface="Microsoft Yi Baiti"/>
+        <a:font script="Tibt" typeface="Microsoft Himalaya"/>
+        <a:font script="Thaa" typeface="MV Boli"/>
+        <a:font script="Deva" typeface="Mangal"/>
+        <a:font script="Telu" typeface="Gautami"/>
+        <a:font script="Taml" typeface="Latha"/>
+        <a:font script="Syrc" typeface="Estrangelo Edessa"/>
+        <a:font script="Orya" typeface="Kalinga"/>
+        <a:font script="Mlym" typeface="Kartika"/>
+        <a:font script="Laoo" typeface="DokChampa"/>
+        <a:font script="Sinh" typeface="Iskoola Pota"/>
+        <a:font script="Mong" typeface="Mongolian Baiti"/>
+        <a:font script="Viet" typeface="Arial"/>
+        <a:font script="Uigh" typeface="Microsoft Uighur"/>
+        <a:font script="Geor" typeface="Sylfaen"/>
+      </a:minorFont>
+    </a:fontScheme>
+    <a:fmtScheme name="Office">
+      <a:fillStyleLst>
+        <a:solidFill>
+          <a:schemeClr val="phClr"/>
+        </a:solidFill>
+        <a:gradFill rotWithShape="1">
+          <a:gsLst>
+            <a:gs pos="0">
+              <a:schemeClr val="phClr">
+                <a:tint val="50000"/>
+                <a:satMod val="300000"/>
+              </a:schemeClr>
+            </a:gs>
+            <a:gs pos="35000">
+              <a:schemeClr val="phClr">
+                <a:tint val="37000"/>
+                <a:satMod val="300000"/>
+              </a:schemeClr>
+            </a:gs>
+            <a:gs pos="100000">
+              <a:schemeClr val="phClr">
+                <a:tint val="15000"/>
+                <a:satMod val="350000"/>
+              </a:schemeClr>
+            </a:gs>
+          </a:gsLst>
+          <a:lin ang="16200000" scaled="1"/>
+        </a:gradFill>
+        <a:gradFill rotWithShape="1">
+          <a:gsLst>
+            <a:gs pos="0">
+              <a:schemeClr val="phClr">
+                <a:tint val="100000"/>
+                <a:shade val="100000"/>
+                <a:satMod val="130000"/>
+              </a:schemeClr>
+            </a:gs>
+            <a:gs pos="100000">
+              <a:schemeClr val="phClr">
+                <a:tint val="50000"/>
+                <a:shade val="100000"/>
+                <a:satMod val="350000"/>
+              </a:schemeClr>
+            </a:gs>
+          </a:gsLst>
+          <a:lin ang="16200000" scaled="0"/>
+        </a:gradFill>
+      </a:fillStyleLst>
+      <a:lnStyleLst>
+        <a:ln w="9525" cap="flat" cmpd="sng" algn="ctr">
+          <a:solidFill>
+            <a:schemeClr val="phClr">
+              <a:shade val="95000"/>
+              <a:satMod val="105000"/>
+            </a:schemeClr>
+          </a:solidFill>
+          <a:prstDash val="solid"/>
+        </a:ln>
+        <a:ln w="25400" cap="flat" cmpd="sng" algn="ctr">
+          <a:solidFill>
+            <a:schemeClr val="phClr"/>
+          </a:solidFill>
+          <a:prstDash val="solid"/>
+        </a:ln>
+        <a:ln w="38100" cap="flat" cmpd="sng" algn="ctr">
+          <a:solidFill>
+            <a:schemeClr val="phClr"/>
+          </a:solidFill>
+          <a:prstDash val="solid"/>
+        </a:ln>
+      </a:lnStyleLst>
+      <a:effectStyleLst>
+        <a:effectStyle>
+          <a:effectLst>
+            <a:outerShdw blurRad="40000" dist="20000" dir="5400000" rotWithShape="0">
+              <a:srgbClr val="000000">
+                <a:alpha val="38000"/>
+              </a:srgbClr>
+            </a:outerShdw>
+          </a:effectLst>
+        </a:effectStyle>
+        <a:effectStyle>
+          <a:effectLst>
+            <a:outerShdw blurRad="40000" dist="23000" dir="5400000" rotWithShape="0">
+              <a:srgbClr val="000000">
+                <a:alpha val="35000"/>
+              </a:srgbClr>
+            </a:outerShdw>
+          </a:effectLst>
+        </a:effectStyle>
+        <a:effectStyle>
+          <a:effectLst>
+            <a:outerShdw blurRad="40000" dist="23000" dir="5400000" rotWithShape="0">
+              <a:srgbClr val="000000">
+                <a:alpha val="35000"/>
+              </a:srgbClr>
+            </a:outerShdw>
+          </a:effectLst>
+          <a:scene3d>
+            <a:camera prst="orthographicFront">
+              <a:rot lat="0" lon="0" rev="0"/>
+            </a:camera>
+            <a:lightRig rig="threePt" dir="t">
+              <a:rot lat="0" lon="0" rev="1200000"/>
+            </a:lightRig>
+          </a:scene3d>
+          <a:sp3d>
+            <a:bevelT w="63500" h="25400"/>
+          </a:sp3d>
+        </a:effectStyle>
+      </a:effectStyleLst>
+      <a:bgFillStyleLst>
+        <a:solidFill>
+          <a:schemeClr val="phClr"/>
+        </a:solidFill>
+        <a:gradFill rotWithShape="1">
+          <a:gsLst>
+            <a:gs pos="0">
+              <a:schemeClr val="phClr">
+                <a:tint val="40000"/>
+                <a:satMod val="350000"/>
+              </a:schemeClr>
+            </a:gs>
+            <a:gs pos="40000">
+              <a:schemeClr val="phClr">
+                <a:tint val="45000"/>
+                <a:shade val="99000"/>
+                <a:satMod val="350000"/>
+              </a:schemeClr>
+            </a:gs>
+            <a:gs pos="100000">
+              <a:schemeClr val="phClr">
+                <a:shade val="20000"/>
+                <a:satMod val="255000"/>
+              </a:schemeClr>
+            </a:gs>
+          </a:gsLst>
+          <a:path path="circle">
+            <a:fillToRect l="50000" t="-80000" r="50000" b="180000"/>
+          </a:path>
+        </a:gradFill>
+        <a:gradFill rotWithShape="1">
+          <a:gsLst>
+            <a:gs pos="0">
+              <a:schemeClr val="phClr">
+                <a:tint val="80000"/>
+                <a:satMod val="300000"/>
+              </a:schemeClr>
+            </a:gs>
+            <a:gs pos="100000">
+              <a:schemeClr val="phClr">
+                <a:shade val="30000"/>
+                <a:satMod val="200000"/>
+              </a:schemeClr>
+            </a:gs>
+          </a:gsLst>
+          <a:path path="circle">
+            <a:fillToRect l="50000" t="50000" r="50000" b="50000"/>
+          </a:path>
+        </a:gradFill>
+      </a:bgFillStyleLst>
+    </a:fmtScheme>
+  </a:themeElements>
+</a:theme>
+</file>
+
+<file path=ppt/theme/theme2.xml><?xml version="1.0" encoding="utf-8"?>
 <a:theme xmlns:a="http://schemas.openxmlformats.org/drawingml/2006/main" xmlns:r="http://schemas.openxmlformats.org/officeDocument/2006/relationships" name="Streamline">
   <a:themeElements>
     <a:clrScheme name="Streamline">
@@ -19191,283 +19359,4 @@
     </a:fmtScheme>
   </a:themeElements>
 </a:theme>
-</file>
-
-<file path=ppt/theme/theme2.xml><?xml version="1.0" encoding="utf-8"?>
-<a:theme xmlns:a="http://schemas.openxmlformats.org/drawingml/2006/main" xmlns:r="http://schemas.openxmlformats.org/officeDocument/2006/relationships">
-  <a:themeElements>
-    <a:clrScheme name="Default">
-      <a:dk1>
-        <a:srgbClr val="000000"/>
-      </a:dk1>
-      <a:lt1>
-        <a:srgbClr val="FFFFFF"/>
-      </a:lt1>
-      <a:dk2>
-        <a:srgbClr val="158158"/>
-      </a:dk2>
-      <a:lt2>
-        <a:srgbClr val="F3F3F3"/>
-      </a:lt2>
-      <a:accent1>
-        <a:srgbClr val="058DC7"/>
-      </a:accent1>
-      <a:accent2>
-        <a:srgbClr val="50B432"/>
-      </a:accent2>
-      <a:accent3>
-        <a:srgbClr val="ED561B"/>
-      </a:accent3>
-      <a:accent4>
-        <a:srgbClr val="EDEF00"/>
-      </a:accent4>
-      <a:accent5>
-        <a:srgbClr val="24CBE5"/>
-      </a:accent5>
-      <a:accent6>
-        <a:srgbClr val="64E572"/>
-      </a:accent6>
-      <a:hlink>
-        <a:srgbClr val="2200CC"/>
-      </a:hlink>
-      <a:folHlink>
-        <a:srgbClr val="551A8B"/>
-      </a:folHlink>
-    </a:clrScheme>
-    <a:fontScheme name="Office">
-      <a:majorFont>
-        <a:latin typeface="Arial"/>
-        <a:ea typeface=""/>
-        <a:cs typeface=""/>
-        <a:font script="Jpan" typeface="ＭＳ Ｐゴシック"/>
-        <a:font script="Hang" typeface="맑은 고딕"/>
-        <a:font script="Hans" typeface="宋体"/>
-        <a:font script="Hant" typeface="新細明體"/>
-        <a:font script="Arab" typeface="Times New Roman"/>
-        <a:font script="Hebr" typeface="Times New Roman"/>
-        <a:font script="Thai" typeface="Angsana New"/>
-        <a:font script="Ethi" typeface="Nyala"/>
-        <a:font script="Beng" typeface="Vrinda"/>
-        <a:font script="Gujr" typeface="Shruti"/>
-        <a:font script="Khmr" typeface="MoolBoran"/>
-        <a:font script="Knda" typeface="Tunga"/>
-        <a:font script="Guru" typeface="Raavi"/>
-        <a:font script="Cans" typeface="Euphemia"/>
-        <a:font script="Cher" typeface="Plantagenet Cherokee"/>
-        <a:font script="Yiii" typeface="Microsoft Yi Baiti"/>
-        <a:font script="Tibt" typeface="Microsoft Himalaya"/>
-        <a:font script="Thaa" typeface="MV Boli"/>
-        <a:font script="Deva" typeface="Mangal"/>
-        <a:font script="Telu" typeface="Gautami"/>
-        <a:font script="Taml" typeface="Latha"/>
-        <a:font script="Syrc" typeface="Estrangelo Edessa"/>
-        <a:font script="Orya" typeface="Kalinga"/>
-        <a:font script="Mlym" typeface="Kartika"/>
-        <a:font script="Laoo" typeface="DokChampa"/>
-        <a:font script="Sinh" typeface="Iskoola Pota"/>
-        <a:font script="Mong" typeface="Mongolian Baiti"/>
-        <a:font script="Viet" typeface="Times New Roman"/>
-        <a:font script="Uigh" typeface="Microsoft Uighur"/>
-        <a:font script="Geor" typeface="Sylfaen"/>
-      </a:majorFont>
-      <a:minorFont>
-        <a:latin typeface="Arial"/>
-        <a:ea typeface=""/>
-        <a:cs typeface=""/>
-        <a:font script="Jpan" typeface="ＭＳ Ｐゴシック"/>
-        <a:font script="Hang" typeface="맑은 고딕"/>
-        <a:font script="Hans" typeface="宋体"/>
-        <a:font script="Hant" typeface="新細明體"/>
-        <a:font script="Arab" typeface="Arial"/>
-        <a:font script="Hebr" typeface="Arial"/>
-        <a:font script="Thai" typeface="Cordia New"/>
-        <a:font script="Ethi" typeface="Nyala"/>
-        <a:font script="Beng" typeface="Vrinda"/>
-        <a:font script="Gujr" typeface="Shruti"/>
-        <a:font script="Khmr" typeface="DaunPenh"/>
-        <a:font script="Knda" typeface="Tunga"/>
-        <a:font script="Guru" typeface="Raavi"/>
-        <a:font script="Cans" typeface="Euphemia"/>
-        <a:font script="Cher" typeface="Plantagenet Cherokee"/>
-        <a:font script="Yiii" typeface="Microsoft Yi Baiti"/>
-        <a:font script="Tibt" typeface="Microsoft Himalaya"/>
-        <a:font script="Thaa" typeface="MV Boli"/>
-        <a:font script="Deva" typeface="Mangal"/>
-        <a:font script="Telu" typeface="Gautami"/>
-        <a:font script="Taml" typeface="Latha"/>
-        <a:font script="Syrc" typeface="Estrangelo Edessa"/>
-        <a:font script="Orya" typeface="Kalinga"/>
-        <a:font script="Mlym" typeface="Kartika"/>
-        <a:font script="Laoo" typeface="DokChampa"/>
-        <a:font script="Sinh" typeface="Iskoola Pota"/>
-        <a:font script="Mong" typeface="Mongolian Baiti"/>
-        <a:font script="Viet" typeface="Arial"/>
-        <a:font script="Uigh" typeface="Microsoft Uighur"/>
-        <a:font script="Geor" typeface="Sylfaen"/>
-      </a:minorFont>
-    </a:fontScheme>
-    <a:fmtScheme name="Office">
-      <a:fillStyleLst>
-        <a:solidFill>
-          <a:schemeClr val="phClr"/>
-        </a:solidFill>
-        <a:gradFill rotWithShape="1">
-          <a:gsLst>
-            <a:gs pos="0">
-              <a:schemeClr val="phClr">
-                <a:tint val="50000"/>
-                <a:satMod val="300000"/>
-              </a:schemeClr>
-            </a:gs>
-            <a:gs pos="35000">
-              <a:schemeClr val="phClr">
-                <a:tint val="37000"/>
-                <a:satMod val="300000"/>
-              </a:schemeClr>
-            </a:gs>
-            <a:gs pos="100000">
-              <a:schemeClr val="phClr">
-                <a:tint val="15000"/>
-                <a:satMod val="350000"/>
-              </a:schemeClr>
-            </a:gs>
-          </a:gsLst>
-          <a:lin ang="16200000" scaled="1"/>
-        </a:gradFill>
-        <a:gradFill rotWithShape="1">
-          <a:gsLst>
-            <a:gs pos="0">
-              <a:schemeClr val="phClr">
-                <a:tint val="100000"/>
-                <a:shade val="100000"/>
-                <a:satMod val="130000"/>
-              </a:schemeClr>
-            </a:gs>
-            <a:gs pos="100000">
-              <a:schemeClr val="phClr">
-                <a:tint val="50000"/>
-                <a:shade val="100000"/>
-                <a:satMod val="350000"/>
-              </a:schemeClr>
-            </a:gs>
-          </a:gsLst>
-          <a:lin ang="16200000" scaled="0"/>
-        </a:gradFill>
-      </a:fillStyleLst>
-      <a:lnStyleLst>
-        <a:ln w="9525" cap="flat" cmpd="sng" algn="ctr">
-          <a:solidFill>
-            <a:schemeClr val="phClr">
-              <a:shade val="95000"/>
-              <a:satMod val="105000"/>
-            </a:schemeClr>
-          </a:solidFill>
-          <a:prstDash val="solid"/>
-        </a:ln>
-        <a:ln w="25400" cap="flat" cmpd="sng" algn="ctr">
-          <a:solidFill>
-            <a:schemeClr val="phClr"/>
-          </a:solidFill>
-          <a:prstDash val="solid"/>
-        </a:ln>
-        <a:ln w="38100" cap="flat" cmpd="sng" algn="ctr">
-          <a:solidFill>
-            <a:schemeClr val="phClr"/>
-          </a:solidFill>
-          <a:prstDash val="solid"/>
-        </a:ln>
-      </a:lnStyleLst>
-      <a:effectStyleLst>
-        <a:effectStyle>
-          <a:effectLst>
-            <a:outerShdw blurRad="40000" dist="20000" dir="5400000" rotWithShape="0">
-              <a:srgbClr val="000000">
-                <a:alpha val="38000"/>
-              </a:srgbClr>
-            </a:outerShdw>
-          </a:effectLst>
-        </a:effectStyle>
-        <a:effectStyle>
-          <a:effectLst>
-            <a:outerShdw blurRad="40000" dist="23000" dir="5400000" rotWithShape="0">
-              <a:srgbClr val="000000">
-                <a:alpha val="35000"/>
-              </a:srgbClr>
-            </a:outerShdw>
-          </a:effectLst>
-        </a:effectStyle>
-        <a:effectStyle>
-          <a:effectLst>
-            <a:outerShdw blurRad="40000" dist="23000" dir="5400000" rotWithShape="0">
-              <a:srgbClr val="000000">
-                <a:alpha val="35000"/>
-              </a:srgbClr>
-            </a:outerShdw>
-          </a:effectLst>
-          <a:scene3d>
-            <a:camera prst="orthographicFront">
-              <a:rot lat="0" lon="0" rev="0"/>
-            </a:camera>
-            <a:lightRig rig="threePt" dir="t">
-              <a:rot lat="0" lon="0" rev="1200000"/>
-            </a:lightRig>
-          </a:scene3d>
-          <a:sp3d>
-            <a:bevelT w="63500" h="25400"/>
-          </a:sp3d>
-        </a:effectStyle>
-      </a:effectStyleLst>
-      <a:bgFillStyleLst>
-        <a:solidFill>
-          <a:schemeClr val="phClr"/>
-        </a:solidFill>
-        <a:gradFill rotWithShape="1">
-          <a:gsLst>
-            <a:gs pos="0">
-              <a:schemeClr val="phClr">
-                <a:tint val="40000"/>
-                <a:satMod val="350000"/>
-              </a:schemeClr>
-            </a:gs>
-            <a:gs pos="40000">
-              <a:schemeClr val="phClr">
-                <a:tint val="45000"/>
-                <a:shade val="99000"/>
-                <a:satMod val="350000"/>
-              </a:schemeClr>
-            </a:gs>
-            <a:gs pos="100000">
-              <a:schemeClr val="phClr">
-                <a:shade val="20000"/>
-                <a:satMod val="255000"/>
-              </a:schemeClr>
-            </a:gs>
-          </a:gsLst>
-          <a:path path="circle">
-            <a:fillToRect l="50000" t="-80000" r="50000" b="180000"/>
-          </a:path>
-        </a:gradFill>
-        <a:gradFill rotWithShape="1">
-          <a:gsLst>
-            <a:gs pos="0">
-              <a:schemeClr val="phClr">
-                <a:tint val="80000"/>
-                <a:satMod val="300000"/>
-              </a:schemeClr>
-            </a:gs>
-            <a:gs pos="100000">
-              <a:schemeClr val="phClr">
-                <a:shade val="30000"/>
-                <a:satMod val="200000"/>
-              </a:schemeClr>
-            </a:gs>
-          </a:gsLst>
-          <a:path path="circle">
-            <a:fillToRect l="50000" t="50000" r="50000" b="50000"/>
-          </a:path>
-        </a:gradFill>
-      </a:bgFillStyleLst>
-    </a:fmtScheme>
-  </a:themeElements>
-</a:theme>
 </file>